--- a/_posts/spider/细说垂直型网络爬虫.pptx
+++ b/_posts/spider/细说垂直型网络爬虫.pptx
@@ -5,10 +5,10 @@
     <p:sldMasterId id="2147483648" r:id="rId1"/>
   </p:sldMasterIdLst>
   <p:notesMasterIdLst>
-    <p:notesMasterId r:id="rId17"/>
+    <p:notesMasterId r:id="rId19"/>
   </p:notesMasterIdLst>
   <p:handoutMasterIdLst>
-    <p:handoutMasterId r:id="rId18"/>
+    <p:handoutMasterId r:id="rId20"/>
   </p:handoutMasterIdLst>
   <p:sldIdLst>
     <p:sldId id="256" r:id="rId2"/>
@@ -26,6 +26,8 @@
     <p:sldId id="271" r:id="rId14"/>
     <p:sldId id="273" r:id="rId15"/>
     <p:sldId id="272" r:id="rId16"/>
+    <p:sldId id="275" r:id="rId17"/>
+    <p:sldId id="274" r:id="rId18"/>
   </p:sldIdLst>
   <p:sldSz cx="9144000" cy="6858000" type="screen4x3"/>
   <p:notesSz cx="6858000" cy="9144000"/>
@@ -209,7 +211,7 @@
           <a:p>
             <a:fld id="{D386AB9F-80A6-489D-AB73-016962F19EFC}" type="datetimeFigureOut">
               <a:rPr lang="zh-CN" altLang="en-US" smtClean="0"/>
-              <a:t>2015/3/23</a:t>
+              <a:t>2015/3/25</a:t>
             </a:fld>
             <a:endParaRPr lang="zh-CN" altLang="en-US"/>
           </a:p>
@@ -374,7 +376,7 @@
           <a:p>
             <a:fld id="{1334A205-5ACD-46B2-B812-BEABA6DC3512}" type="datetimeFigureOut">
               <a:rPr lang="zh-CN" altLang="en-US" smtClean="0"/>
-              <a:t>2015/3/23</a:t>
+              <a:t>2015/3/25</a:t>
             </a:fld>
             <a:endParaRPr lang="zh-CN" altLang="en-US"/>
           </a:p>
@@ -1098,7 +1100,7 @@
           <a:p>
             <a:fld id="{530820CF-B880-4189-942D-D702A7CBA730}" type="datetimeFigureOut">
               <a:rPr lang="zh-CN" altLang="en-US" smtClean="0"/>
-              <a:t>2015/3/23</a:t>
+              <a:t>2015/3/25</a:t>
             </a:fld>
             <a:endParaRPr lang="zh-CN" altLang="en-US"/>
           </a:p>
@@ -1574,7 +1576,7 @@
           <a:p>
             <a:fld id="{530820CF-B880-4189-942D-D702A7CBA730}" type="datetimeFigureOut">
               <a:rPr lang="zh-CN" altLang="en-US" smtClean="0"/>
-              <a:t>2015/3/23</a:t>
+              <a:t>2015/3/25</a:t>
             </a:fld>
             <a:endParaRPr lang="zh-CN" altLang="en-US"/>
           </a:p>
@@ -1749,7 +1751,7 @@
           <a:p>
             <a:fld id="{530820CF-B880-4189-942D-D702A7CBA730}" type="datetimeFigureOut">
               <a:rPr lang="zh-CN" altLang="en-US" smtClean="0"/>
-              <a:t>2015/3/23</a:t>
+              <a:t>2015/3/25</a:t>
             </a:fld>
             <a:endParaRPr lang="zh-CN" altLang="en-US"/>
           </a:p>
@@ -1914,7 +1916,7 @@
           <a:p>
             <a:fld id="{530820CF-B880-4189-942D-D702A7CBA730}" type="datetimeFigureOut">
               <a:rPr lang="zh-CN" altLang="en-US" smtClean="0"/>
-              <a:t>2015/3/23</a:t>
+              <a:t>2015/3/25</a:t>
             </a:fld>
             <a:endParaRPr lang="zh-CN" altLang="en-US"/>
           </a:p>
@@ -2466,7 +2468,7 @@
           <a:p>
             <a:fld id="{530820CF-B880-4189-942D-D702A7CBA730}" type="datetimeFigureOut">
               <a:rPr lang="zh-CN" altLang="en-US" smtClean="0"/>
-              <a:t>2015/3/23</a:t>
+              <a:t>2015/3/25</a:t>
             </a:fld>
             <a:endParaRPr lang="zh-CN" altLang="en-US"/>
           </a:p>
@@ -2978,7 +2980,7 @@
           <a:p>
             <a:fld id="{530820CF-B880-4189-942D-D702A7CBA730}" type="datetimeFigureOut">
               <a:rPr lang="zh-CN" altLang="en-US" smtClean="0"/>
-              <a:t>2015/3/23</a:t>
+              <a:t>2015/3/25</a:t>
             </a:fld>
             <a:endParaRPr lang="zh-CN" altLang="en-US"/>
           </a:p>
@@ -3624,7 +3626,7 @@
           <a:p>
             <a:fld id="{530820CF-B880-4189-942D-D702A7CBA730}" type="datetimeFigureOut">
               <a:rPr lang="zh-CN" altLang="en-US" smtClean="0"/>
-              <a:t>2015/3/23</a:t>
+              <a:t>2015/3/25</a:t>
             </a:fld>
             <a:endParaRPr lang="zh-CN" altLang="en-US"/>
           </a:p>
@@ -3966,7 +3968,7 @@
           <a:p>
             <a:fld id="{530820CF-B880-4189-942D-D702A7CBA730}" type="datetimeFigureOut">
               <a:rPr lang="zh-CN" altLang="en-US" smtClean="0"/>
-              <a:t>2015/3/23</a:t>
+              <a:t>2015/3/25</a:t>
             </a:fld>
             <a:endParaRPr lang="zh-CN" altLang="en-US"/>
           </a:p>
@@ -4285,7 +4287,7 @@
           <a:p>
             <a:fld id="{530820CF-B880-4189-942D-D702A7CBA730}" type="datetimeFigureOut">
               <a:rPr lang="zh-CN" altLang="en-US" smtClean="0"/>
-              <a:t>2015/3/23</a:t>
+              <a:t>2015/3/25</a:t>
             </a:fld>
             <a:endParaRPr lang="zh-CN" altLang="en-US"/>
           </a:p>
@@ -4564,7 +4566,7 @@
           <a:p>
             <a:fld id="{530820CF-B880-4189-942D-D702A7CBA730}" type="datetimeFigureOut">
               <a:rPr lang="zh-CN" altLang="en-US" smtClean="0"/>
-              <a:t>2015/3/23</a:t>
+              <a:t>2015/3/25</a:t>
             </a:fld>
             <a:endParaRPr lang="zh-CN" altLang="en-US"/>
           </a:p>
@@ -4812,7 +4814,7 @@
           <a:p>
             <a:fld id="{530820CF-B880-4189-942D-D702A7CBA730}" type="datetimeFigureOut">
               <a:rPr lang="zh-CN" altLang="en-US" smtClean="0"/>
-              <a:t>2015/3/23</a:t>
+              <a:t>2015/3/25</a:t>
             </a:fld>
             <a:endParaRPr lang="zh-CN" altLang="en-US"/>
           </a:p>
@@ -5020,7 +5022,7 @@
           <a:p>
             <a:fld id="{530820CF-B880-4189-942D-D702A7CBA730}" type="datetimeFigureOut">
               <a:rPr lang="zh-CN" altLang="en-US" smtClean="0"/>
-              <a:t>2015/3/23</a:t>
+              <a:t>2015/3/25</a:t>
             </a:fld>
             <a:endParaRPr lang="zh-CN" altLang="en-US"/>
           </a:p>
@@ -8838,16 +8840,6 @@
               </a:rPr>
               <a:t>图片展示</a:t>
             </a:r>
-            <a:endParaRPr lang="zh-CN" altLang="en-US" sz="1600" b="1" dirty="0">
-              <a:solidFill>
-                <a:schemeClr val="tx1">
-                  <a:lumMod val="50000"/>
-                  <a:lumOff val="50000"/>
-                </a:schemeClr>
-              </a:solidFill>
-              <a:latin typeface="微软雅黑" pitchFamily="34" charset="-122"/>
-              <a:ea typeface="微软雅黑" pitchFamily="34" charset="-122"/>
-            </a:endParaRPr>
           </a:p>
         </p:txBody>
       </p:sp>
@@ -8956,6 +8948,602 @@
 </file>
 
 <file path=ppt/slides/slide15.xml><?xml version="1.0" encoding="utf-8"?>
+<p:sld xmlns:a="http://schemas.openxmlformats.org/drawingml/2006/main" xmlns:r="http://schemas.openxmlformats.org/officeDocument/2006/relationships" xmlns:p="http://schemas.openxmlformats.org/presentationml/2006/main">
+  <p:cSld>
+    <p:spTree>
+      <p:nvGrpSpPr>
+        <p:cNvPr id="1" name=""/>
+        <p:cNvGrpSpPr/>
+        <p:nvPr/>
+      </p:nvGrpSpPr>
+      <p:grpSpPr>
+        <a:xfrm>
+          <a:off x="0" y="0"/>
+          <a:ext cx="0" cy="0"/>
+          <a:chOff x="0" y="0"/>
+          <a:chExt cx="0" cy="0"/>
+        </a:xfrm>
+      </p:grpSpPr>
+      <p:grpSp>
+        <p:nvGrpSpPr>
+          <p:cNvPr id="2" name="组合 1"/>
+          <p:cNvGrpSpPr/>
+          <p:nvPr/>
+        </p:nvGrpSpPr>
+        <p:grpSpPr>
+          <a:xfrm>
+            <a:off x="446899" y="450850"/>
+            <a:ext cx="8142133" cy="3746723"/>
+            <a:chOff x="457457" y="450850"/>
+            <a:chExt cx="9758106" cy="3746723"/>
+          </a:xfrm>
+        </p:grpSpPr>
+        <p:sp>
+          <p:nvSpPr>
+            <p:cNvPr id="13" name="标题 1"/>
+            <p:cNvSpPr txBox="1">
+              <a:spLocks/>
+            </p:cNvSpPr>
+            <p:nvPr/>
+          </p:nvSpPr>
+          <p:spPr>
+            <a:xfrm>
+              <a:off x="495300" y="450850"/>
+              <a:ext cx="9720263" cy="569913"/>
+            </a:xfrm>
+            <a:prstGeom prst="rect">
+              <a:avLst/>
+            </a:prstGeom>
+            <a:ln w="6350">
+              <a:noFill/>
+            </a:ln>
+          </p:spPr>
+          <p:txBody>
+            <a:bodyPr lIns="102870" tIns="51435" rIns="102870" bIns="51435" anchor="ctr">
+              <a:normAutofit/>
+            </a:bodyPr>
+            <a:lstStyle>
+              <a:lvl1pPr algn="l" defTabSz="1028700" rtl="0" eaLnBrk="1" latinLnBrk="0" hangingPunct="1">
+                <a:spcBef>
+                  <a:spcPct val="0"/>
+                </a:spcBef>
+                <a:buNone/>
+                <a:defRPr sz="2700" b="1" kern="1200">
+                  <a:solidFill>
+                    <a:srgbClr val="00B0F0"/>
+                  </a:solidFill>
+                  <a:latin typeface="微软雅黑" pitchFamily="34" charset="-122"/>
+                  <a:ea typeface="微软雅黑" pitchFamily="34" charset="-122"/>
+                  <a:cs typeface="+mj-cs"/>
+                </a:defRPr>
+              </a:lvl1pPr>
+            </a:lstStyle>
+            <a:p>
+              <a:pPr fontAlgn="auto">
+                <a:spcAft>
+                  <a:spcPts val="0"/>
+                </a:spcAft>
+                <a:tabLst>
+                  <a:tab pos="5294313" algn="l"/>
+                </a:tabLst>
+                <a:defRPr/>
+              </a:pPr>
+              <a:r>
+                <a:rPr lang="zh-CN" altLang="en-US" dirty="0" smtClean="0"/>
+                <a:t>页面下载过程需要</a:t>
+              </a:r>
+              <a:r>
+                <a:rPr lang="zh-CN" altLang="en-US" dirty="0" smtClean="0"/>
+                <a:t>考虑的若干问题</a:t>
+              </a:r>
+              <a:endParaRPr lang="en-US" altLang="zh-CN" dirty="0">
+                <a:solidFill>
+                  <a:schemeClr val="tx1">
+                    <a:lumMod val="50000"/>
+                    <a:lumOff val="50000"/>
+                  </a:schemeClr>
+                </a:solidFill>
+              </a:endParaRPr>
+            </a:p>
+          </p:txBody>
+        </p:sp>
+        <p:sp>
+          <p:nvSpPr>
+            <p:cNvPr id="21" name="矩形 9"/>
+            <p:cNvSpPr>
+              <a:spLocks noChangeArrowheads="1"/>
+            </p:cNvSpPr>
+            <p:nvPr/>
+          </p:nvSpPr>
+          <p:spPr bwMode="auto">
+            <a:xfrm>
+              <a:off x="457457" y="1196752"/>
+              <a:ext cx="9359901" cy="3000821"/>
+            </a:xfrm>
+            <a:prstGeom prst="rect">
+              <a:avLst/>
+            </a:prstGeom>
+            <a:noFill/>
+            <a:ln>
+              <a:noFill/>
+            </a:ln>
+            <a:extLst>
+              <a:ext uri="{909E8E84-426E-40DD-AFC4-6F175D3DCCD1}">
+                <a14:hiddenFill xmlns:a14="http://schemas.microsoft.com/office/drawing/2010/main">
+                  <a:solidFill>
+                    <a:srgbClr val="FFFFFF"/>
+                  </a:solidFill>
+                </a14:hiddenFill>
+              </a:ext>
+              <a:ext uri="{91240B29-F687-4F45-9708-019B960494DF}">
+                <a14:hiddenLine xmlns:a14="http://schemas.microsoft.com/office/drawing/2010/main" w="9525">
+                  <a:solidFill>
+                    <a:srgbClr val="000000"/>
+                  </a:solidFill>
+                  <a:miter lim="800000"/>
+                  <a:headEnd/>
+                  <a:tailEnd/>
+                </a14:hiddenLine>
+              </a:ext>
+            </a:extLst>
+          </p:spPr>
+          <p:txBody>
+            <a:bodyPr>
+              <a:spAutoFit/>
+            </a:bodyPr>
+            <a:lstStyle/>
+            <a:p>
+              <a:pPr>
+                <a:lnSpc>
+                  <a:spcPct val="150000"/>
+                </a:lnSpc>
+              </a:pPr>
+              <a:r>
+                <a:rPr lang="zh-CN" altLang="en-US" sz="1400" dirty="0" smtClean="0">
+                  <a:latin typeface="微软雅黑" pitchFamily="34" charset="-122"/>
+                  <a:ea typeface="微软雅黑" pitchFamily="34" charset="-122"/>
+                </a:rPr>
+                <a:t>抓取</a:t>
+              </a:r>
+              <a:r>
+                <a:rPr lang="zh-CN" altLang="en-US" sz="1400" dirty="0" smtClean="0">
+                  <a:latin typeface="微软雅黑" pitchFamily="34" charset="-122"/>
+                  <a:ea typeface="微软雅黑" pitchFamily="34" charset="-122"/>
+                </a:rPr>
+                <a:t>策略如果选择</a:t>
+              </a:r>
+              <a:r>
+                <a:rPr lang="zh-CN" altLang="en-US" sz="1400" dirty="0" smtClean="0">
+                  <a:latin typeface="微软雅黑" pitchFamily="34" charset="-122"/>
+                  <a:ea typeface="微软雅黑" pitchFamily="34" charset="-122"/>
+                </a:rPr>
+                <a:t>？</a:t>
+              </a:r>
+              <a:endParaRPr lang="en-US" altLang="zh-CN" sz="1400" dirty="0" smtClean="0">
+                <a:latin typeface="微软雅黑" pitchFamily="34" charset="-122"/>
+                <a:ea typeface="微软雅黑" pitchFamily="34" charset="-122"/>
+              </a:endParaRPr>
+            </a:p>
+            <a:p>
+              <a:pPr>
+                <a:lnSpc>
+                  <a:spcPct val="150000"/>
+                </a:lnSpc>
+              </a:pPr>
+              <a:r>
+                <a:rPr lang="zh-CN" altLang="en-US" sz="1400" dirty="0" smtClean="0">
+                  <a:latin typeface="微软雅黑" pitchFamily="34" charset="-122"/>
+                  <a:ea typeface="微软雅黑" pitchFamily="34" charset="-122"/>
+                </a:rPr>
+                <a:t>爬虫自身信息</a:t>
+              </a:r>
+              <a:endParaRPr lang="en-US" altLang="zh-CN" sz="1400" dirty="0" smtClean="0">
+                <a:latin typeface="微软雅黑" pitchFamily="34" charset="-122"/>
+                <a:ea typeface="微软雅黑" pitchFamily="34" charset="-122"/>
+              </a:endParaRPr>
+            </a:p>
+            <a:p>
+              <a:pPr>
+                <a:lnSpc>
+                  <a:spcPct val="150000"/>
+                </a:lnSpc>
+              </a:pPr>
+              <a:r>
+                <a:rPr lang="zh-CN" altLang="en-US" sz="1400" dirty="0" smtClean="0">
+                  <a:latin typeface="微软雅黑" pitchFamily="34" charset="-122"/>
+                  <a:ea typeface="微软雅黑" pitchFamily="34" charset="-122"/>
+                </a:rPr>
+                <a:t>抓取深度</a:t>
+              </a:r>
+              <a:endParaRPr lang="en-US" altLang="zh-CN" sz="1400" dirty="0" smtClean="0">
+                <a:latin typeface="微软雅黑" pitchFamily="34" charset="-122"/>
+                <a:ea typeface="微软雅黑" pitchFamily="34" charset="-122"/>
+              </a:endParaRPr>
+            </a:p>
+            <a:p>
+              <a:pPr>
+                <a:lnSpc>
+                  <a:spcPct val="150000"/>
+                </a:lnSpc>
+              </a:pPr>
+              <a:r>
+                <a:rPr lang="zh-CN" altLang="en-US" sz="1400" dirty="0">
+                  <a:latin typeface="微软雅黑" pitchFamily="34" charset="-122"/>
+                  <a:ea typeface="微软雅黑" pitchFamily="34" charset="-122"/>
+                </a:rPr>
+                <a:t>同一个</a:t>
+              </a:r>
+              <a:r>
+                <a:rPr lang="en-US" altLang="zh-CN" sz="1400" dirty="0">
+                  <a:latin typeface="微软雅黑" pitchFamily="34" charset="-122"/>
+                  <a:ea typeface="微软雅黑" pitchFamily="34" charset="-122"/>
+                </a:rPr>
+                <a:t>Host</a:t>
+              </a:r>
+              <a:r>
+                <a:rPr lang="zh-CN" altLang="en-US" sz="1400" dirty="0">
+                  <a:latin typeface="微软雅黑" pitchFamily="34" charset="-122"/>
+                  <a:ea typeface="微软雅黑" pitchFamily="34" charset="-122"/>
+                </a:rPr>
+                <a:t>的延时时长？同一个</a:t>
+              </a:r>
+              <a:r>
+                <a:rPr lang="en-US" altLang="zh-CN" sz="1400" dirty="0">
+                  <a:latin typeface="微软雅黑" pitchFamily="34" charset="-122"/>
+                  <a:ea typeface="微软雅黑" pitchFamily="34" charset="-122"/>
+                </a:rPr>
+                <a:t>Host</a:t>
+              </a:r>
+              <a:r>
+                <a:rPr lang="zh-CN" altLang="en-US" sz="1400" dirty="0">
+                  <a:latin typeface="微软雅黑" pitchFamily="34" charset="-122"/>
+                  <a:ea typeface="微软雅黑" pitchFamily="34" charset="-122"/>
+                </a:rPr>
+                <a:t>的</a:t>
+              </a:r>
+              <a:r>
+                <a:rPr lang="zh-CN" altLang="en-US" sz="1400" dirty="0" smtClean="0">
+                  <a:latin typeface="微软雅黑" pitchFamily="34" charset="-122"/>
+                  <a:ea typeface="微软雅黑" pitchFamily="34" charset="-122"/>
+                </a:rPr>
+                <a:t>并发</a:t>
+              </a:r>
+              <a:endParaRPr lang="en-US" altLang="zh-CN" sz="1400" dirty="0" smtClean="0">
+                <a:latin typeface="微软雅黑" pitchFamily="34" charset="-122"/>
+                <a:ea typeface="微软雅黑" pitchFamily="34" charset="-122"/>
+              </a:endParaRPr>
+            </a:p>
+            <a:p>
+              <a:pPr>
+                <a:lnSpc>
+                  <a:spcPct val="150000"/>
+                </a:lnSpc>
+              </a:pPr>
+              <a:r>
+                <a:rPr lang="en-US" altLang="zh-CN" sz="1400" dirty="0" err="1" smtClean="0">
+                  <a:latin typeface="微软雅黑" pitchFamily="34" charset="-122"/>
+                  <a:ea typeface="微软雅黑" pitchFamily="34" charset="-122"/>
+                </a:rPr>
+                <a:t>FetchResult</a:t>
+              </a:r>
+              <a:r>
+                <a:rPr lang="zh-CN" altLang="en-US" sz="1400" dirty="0" smtClean="0">
+                  <a:latin typeface="微软雅黑" pitchFamily="34" charset="-122"/>
+                  <a:ea typeface="微软雅黑" pitchFamily="34" charset="-122"/>
+                </a:rPr>
+                <a:t>的基本处理</a:t>
+              </a:r>
+              <a:endParaRPr lang="en-US" altLang="zh-CN" sz="1400" dirty="0" smtClean="0">
+                <a:latin typeface="微软雅黑" pitchFamily="34" charset="-122"/>
+                <a:ea typeface="微软雅黑" pitchFamily="34" charset="-122"/>
+              </a:endParaRPr>
+            </a:p>
+            <a:p>
+              <a:pPr>
+                <a:lnSpc>
+                  <a:spcPct val="150000"/>
+                </a:lnSpc>
+              </a:pPr>
+              <a:r>
+                <a:rPr lang="zh-CN" altLang="en-US" sz="1400" dirty="0" smtClean="0">
+                  <a:latin typeface="微软雅黑" pitchFamily="34" charset="-122"/>
+                  <a:ea typeface="微软雅黑" pitchFamily="34" charset="-122"/>
+                </a:rPr>
+                <a:t>新</a:t>
+              </a:r>
+              <a:r>
+                <a:rPr lang="en-US" altLang="zh-CN" sz="1400" dirty="0" smtClean="0">
+                  <a:latin typeface="微软雅黑" pitchFamily="34" charset="-122"/>
+                  <a:ea typeface="微软雅黑" pitchFamily="34" charset="-122"/>
+                </a:rPr>
+                <a:t>URL</a:t>
+              </a:r>
+              <a:r>
+                <a:rPr lang="zh-CN" altLang="en-US" sz="1400" dirty="0" smtClean="0">
+                  <a:latin typeface="微软雅黑" pitchFamily="34" charset="-122"/>
+                  <a:ea typeface="微软雅黑" pitchFamily="34" charset="-122"/>
+                </a:rPr>
+                <a:t>的发现</a:t>
+              </a:r>
+              <a:endParaRPr lang="en-US" altLang="zh-CN" sz="1400" dirty="0" smtClean="0">
+                <a:latin typeface="微软雅黑" pitchFamily="34" charset="-122"/>
+                <a:ea typeface="微软雅黑" pitchFamily="34" charset="-122"/>
+              </a:endParaRPr>
+            </a:p>
+            <a:p>
+              <a:pPr>
+                <a:lnSpc>
+                  <a:spcPct val="150000"/>
+                </a:lnSpc>
+              </a:pPr>
+              <a:r>
+                <a:rPr lang="en-US" altLang="zh-CN" sz="1400" dirty="0" smtClean="0">
+                  <a:latin typeface="微软雅黑" pitchFamily="34" charset="-122"/>
+                  <a:ea typeface="微软雅黑" pitchFamily="34" charset="-122"/>
+                </a:rPr>
+                <a:t>URL</a:t>
+              </a:r>
+              <a:r>
+                <a:rPr lang="zh-CN" altLang="en-US" sz="1400" dirty="0" smtClean="0">
+                  <a:latin typeface="微软雅黑" pitchFamily="34" charset="-122"/>
+                  <a:ea typeface="微软雅黑" pitchFamily="34" charset="-122"/>
+                </a:rPr>
+                <a:t>队列的管理</a:t>
+              </a:r>
+              <a:endParaRPr lang="en-US" altLang="zh-CN" sz="1400" dirty="0" smtClean="0">
+                <a:latin typeface="微软雅黑" pitchFamily="34" charset="-122"/>
+                <a:ea typeface="微软雅黑" pitchFamily="34" charset="-122"/>
+              </a:endParaRPr>
+            </a:p>
+            <a:p>
+              <a:pPr>
+                <a:lnSpc>
+                  <a:spcPct val="150000"/>
+                </a:lnSpc>
+              </a:pPr>
+              <a:r>
+                <a:rPr lang="zh-CN" altLang="en-US" sz="1400" dirty="0" smtClean="0">
+                  <a:latin typeface="微软雅黑" pitchFamily="34" charset="-122"/>
+                  <a:ea typeface="微软雅黑" pitchFamily="34" charset="-122"/>
+                </a:rPr>
+                <a:t>是否遵循</a:t>
+              </a:r>
+              <a:r>
+                <a:rPr lang="en-US" altLang="zh-CN" sz="1400" dirty="0" smtClean="0">
+                  <a:latin typeface="微软雅黑" pitchFamily="34" charset="-122"/>
+                  <a:ea typeface="微软雅黑" pitchFamily="34" charset="-122"/>
+                </a:rPr>
+                <a:t>robots</a:t>
+              </a:r>
+              <a:r>
+                <a:rPr lang="zh-CN" altLang="en-US" sz="1400" dirty="0" smtClean="0">
+                  <a:latin typeface="微软雅黑" pitchFamily="34" charset="-122"/>
+                  <a:ea typeface="微软雅黑" pitchFamily="34" charset="-122"/>
+                </a:rPr>
+                <a:t>协议？</a:t>
+              </a:r>
+              <a:endParaRPr lang="en-US" altLang="zh-CN" sz="1400" dirty="0" smtClean="0">
+                <a:latin typeface="微软雅黑" pitchFamily="34" charset="-122"/>
+                <a:ea typeface="微软雅黑" pitchFamily="34" charset="-122"/>
+              </a:endParaRPr>
+            </a:p>
+            <a:p>
+              <a:pPr>
+                <a:lnSpc>
+                  <a:spcPct val="150000"/>
+                </a:lnSpc>
+              </a:pPr>
+              <a:r>
+                <a:rPr lang="zh-CN" altLang="en-US" sz="1400" dirty="0">
+                  <a:latin typeface="微软雅黑" pitchFamily="34" charset="-122"/>
+                  <a:ea typeface="微软雅黑" pitchFamily="34" charset="-122"/>
+                </a:rPr>
+                <a:t>代理的</a:t>
+              </a:r>
+              <a:r>
+                <a:rPr lang="zh-CN" altLang="en-US" sz="1400" dirty="0" smtClean="0">
+                  <a:latin typeface="微软雅黑" pitchFamily="34" charset="-122"/>
+                  <a:ea typeface="微软雅黑" pitchFamily="34" charset="-122"/>
+                </a:rPr>
+                <a:t>使用</a:t>
+              </a:r>
+              <a:endParaRPr lang="en-US" altLang="zh-CN" sz="1400" dirty="0" smtClean="0">
+                <a:latin typeface="微软雅黑" pitchFamily="34" charset="-122"/>
+                <a:ea typeface="微软雅黑" pitchFamily="34" charset="-122"/>
+              </a:endParaRPr>
+            </a:p>
+          </p:txBody>
+        </p:sp>
+      </p:grpSp>
+    </p:spTree>
+    <p:extLst>
+      <p:ext uri="{BB962C8B-B14F-4D97-AF65-F5344CB8AC3E}">
+        <p14:creationId xmlns:p14="http://schemas.microsoft.com/office/powerpoint/2010/main" val="3186338918"/>
+      </p:ext>
+    </p:extLst>
+  </p:cSld>
+  <p:clrMapOvr>
+    <a:masterClrMapping/>
+  </p:clrMapOvr>
+</p:sld>
+</file>
+
+<file path=ppt/slides/slide16.xml><?xml version="1.0" encoding="utf-8"?>
+<p:sld xmlns:a="http://schemas.openxmlformats.org/drawingml/2006/main" xmlns:r="http://schemas.openxmlformats.org/officeDocument/2006/relationships" xmlns:p="http://schemas.openxmlformats.org/presentationml/2006/main">
+  <p:cSld>
+    <p:spTree>
+      <p:nvGrpSpPr>
+        <p:cNvPr id="1" name=""/>
+        <p:cNvGrpSpPr/>
+        <p:nvPr/>
+      </p:nvGrpSpPr>
+      <p:grpSpPr>
+        <a:xfrm>
+          <a:off x="0" y="0"/>
+          <a:ext cx="0" cy="0"/>
+          <a:chOff x="0" y="0"/>
+          <a:chExt cx="0" cy="0"/>
+        </a:xfrm>
+      </p:grpSpPr>
+      <p:grpSp>
+        <p:nvGrpSpPr>
+          <p:cNvPr id="2" name="组合 1"/>
+          <p:cNvGrpSpPr/>
+          <p:nvPr/>
+        </p:nvGrpSpPr>
+        <p:grpSpPr>
+          <a:xfrm>
+            <a:off x="446899" y="450850"/>
+            <a:ext cx="8142133" cy="1123313"/>
+            <a:chOff x="457457" y="450850"/>
+            <a:chExt cx="9758106" cy="1123313"/>
+          </a:xfrm>
+        </p:grpSpPr>
+        <p:sp>
+          <p:nvSpPr>
+            <p:cNvPr id="13" name="标题 1"/>
+            <p:cNvSpPr txBox="1">
+              <a:spLocks/>
+            </p:cNvSpPr>
+            <p:nvPr/>
+          </p:nvSpPr>
+          <p:spPr>
+            <a:xfrm>
+              <a:off x="495300" y="450850"/>
+              <a:ext cx="9720263" cy="569913"/>
+            </a:xfrm>
+            <a:prstGeom prst="rect">
+              <a:avLst/>
+            </a:prstGeom>
+            <a:ln w="6350">
+              <a:noFill/>
+            </a:ln>
+          </p:spPr>
+          <p:txBody>
+            <a:bodyPr lIns="102870" tIns="51435" rIns="102870" bIns="51435" anchor="ctr">
+              <a:normAutofit/>
+            </a:bodyPr>
+            <a:lstStyle>
+              <a:lvl1pPr algn="l" defTabSz="1028700" rtl="0" eaLnBrk="1" latinLnBrk="0" hangingPunct="1">
+                <a:spcBef>
+                  <a:spcPct val="0"/>
+                </a:spcBef>
+                <a:buNone/>
+                <a:defRPr sz="2700" b="1" kern="1200">
+                  <a:solidFill>
+                    <a:srgbClr val="00B0F0"/>
+                  </a:solidFill>
+                  <a:latin typeface="微软雅黑" pitchFamily="34" charset="-122"/>
+                  <a:ea typeface="微软雅黑" pitchFamily="34" charset="-122"/>
+                  <a:cs typeface="+mj-cs"/>
+                </a:defRPr>
+              </a:lvl1pPr>
+            </a:lstStyle>
+            <a:p>
+              <a:pPr fontAlgn="auto">
+                <a:spcAft>
+                  <a:spcPts val="0"/>
+                </a:spcAft>
+                <a:tabLst>
+                  <a:tab pos="5294313" algn="l"/>
+                </a:tabLst>
+                <a:defRPr/>
+              </a:pPr>
+              <a:r>
+                <a:rPr lang="zh-CN" altLang="en-US" dirty="0" smtClean="0"/>
+                <a:t>最佳优先抓取</a:t>
+              </a:r>
+              <a:endParaRPr lang="en-US" altLang="zh-CN" dirty="0">
+                <a:solidFill>
+                  <a:schemeClr val="tx1">
+                    <a:lumMod val="50000"/>
+                    <a:lumOff val="50000"/>
+                  </a:schemeClr>
+                </a:solidFill>
+              </a:endParaRPr>
+            </a:p>
+          </p:txBody>
+        </p:sp>
+        <p:sp>
+          <p:nvSpPr>
+            <p:cNvPr id="21" name="矩形 9"/>
+            <p:cNvSpPr>
+              <a:spLocks noChangeArrowheads="1"/>
+            </p:cNvSpPr>
+            <p:nvPr/>
+          </p:nvSpPr>
+          <p:spPr bwMode="auto">
+            <a:xfrm>
+              <a:off x="457457" y="1196752"/>
+              <a:ext cx="9359901" cy="377411"/>
+            </a:xfrm>
+            <a:prstGeom prst="rect">
+              <a:avLst/>
+            </a:prstGeom>
+            <a:noFill/>
+            <a:ln>
+              <a:noFill/>
+            </a:ln>
+            <a:extLst>
+              <a:ext uri="{909E8E84-426E-40DD-AFC4-6F175D3DCCD1}">
+                <a14:hiddenFill xmlns:a14="http://schemas.microsoft.com/office/drawing/2010/main">
+                  <a:solidFill>
+                    <a:srgbClr val="FFFFFF"/>
+                  </a:solidFill>
+                </a14:hiddenFill>
+              </a:ext>
+              <a:ext uri="{91240B29-F687-4F45-9708-019B960494DF}">
+                <a14:hiddenLine xmlns:a14="http://schemas.microsoft.com/office/drawing/2010/main" w="9525">
+                  <a:solidFill>
+                    <a:srgbClr val="000000"/>
+                  </a:solidFill>
+                  <a:miter lim="800000"/>
+                  <a:headEnd/>
+                  <a:tailEnd/>
+                </a14:hiddenLine>
+              </a:ext>
+            </a:extLst>
+          </p:spPr>
+          <p:txBody>
+            <a:bodyPr>
+              <a:spAutoFit/>
+            </a:bodyPr>
+            <a:lstStyle/>
+            <a:p>
+              <a:pPr>
+                <a:lnSpc>
+                  <a:spcPct val="150000"/>
+                </a:lnSpc>
+              </a:pPr>
+              <a:r>
+                <a:rPr lang="zh-CN" altLang="en-US" sz="1400" dirty="0" smtClean="0">
+                  <a:latin typeface="微软雅黑" pitchFamily="34" charset="-122"/>
+                  <a:ea typeface="微软雅黑" pitchFamily="34" charset="-122"/>
+                </a:rPr>
+                <a:t>选择策略</a:t>
+              </a:r>
+              <a:endParaRPr lang="en-US" altLang="zh-CN" sz="1400" dirty="0" smtClean="0">
+                <a:latin typeface="微软雅黑" pitchFamily="34" charset="-122"/>
+                <a:ea typeface="微软雅黑" pitchFamily="34" charset="-122"/>
+              </a:endParaRPr>
+            </a:p>
+          </p:txBody>
+        </p:sp>
+      </p:grpSp>
+    </p:spTree>
+    <p:extLst>
+      <p:ext uri="{BB962C8B-B14F-4D97-AF65-F5344CB8AC3E}">
+        <p14:creationId xmlns:p14="http://schemas.microsoft.com/office/powerpoint/2010/main" val="1318342132"/>
+      </p:ext>
+    </p:extLst>
+  </p:cSld>
+  <p:clrMapOvr>
+    <a:masterClrMapping/>
+  </p:clrMapOvr>
+</p:sld>
+</file>
+
+<file path=ppt/slides/slide17.xml><?xml version="1.0" encoding="utf-8"?>
 <p:sld xmlns:a="http://schemas.openxmlformats.org/drawingml/2006/main" xmlns:r="http://schemas.openxmlformats.org/officeDocument/2006/relationships" xmlns:p="http://schemas.openxmlformats.org/presentationml/2006/main">
   <p:cSld>
     <p:spTree>
@@ -9355,7 +9943,7 @@
     </p:spTree>
     <p:extLst>
       <p:ext uri="{BB962C8B-B14F-4D97-AF65-F5344CB8AC3E}">
-        <p14:creationId xmlns:p14="http://schemas.microsoft.com/office/powerpoint/2010/main" val="3186338918"/>
+        <p14:creationId xmlns:p14="http://schemas.microsoft.com/office/powerpoint/2010/main" val="1500580682"/>
       </p:ext>
     </p:extLst>
   </p:cSld>

--- a/_posts/spider/细说垂直型网络爬虫.pptx
+++ b/_posts/spider/细说垂直型网络爬虫.pptx
@@ -5,10 +5,10 @@
     <p:sldMasterId id="2147483648" r:id="rId1"/>
   </p:sldMasterIdLst>
   <p:notesMasterIdLst>
-    <p:notesMasterId r:id="rId17"/>
+    <p:notesMasterId r:id="rId23"/>
   </p:notesMasterIdLst>
   <p:handoutMasterIdLst>
-    <p:handoutMasterId r:id="rId18"/>
+    <p:handoutMasterId r:id="rId24"/>
   </p:handoutMasterIdLst>
   <p:sldIdLst>
     <p:sldId id="256" r:id="rId2"/>
@@ -26,6 +26,12 @@
     <p:sldId id="271" r:id="rId14"/>
     <p:sldId id="273" r:id="rId15"/>
     <p:sldId id="272" r:id="rId16"/>
+    <p:sldId id="275" r:id="rId17"/>
+    <p:sldId id="276" r:id="rId18"/>
+    <p:sldId id="277" r:id="rId19"/>
+    <p:sldId id="278" r:id="rId20"/>
+    <p:sldId id="279" r:id="rId21"/>
+    <p:sldId id="274" r:id="rId22"/>
   </p:sldIdLst>
   <p:sldSz cx="9144000" cy="6858000" type="screen4x3"/>
   <p:notesSz cx="6858000" cy="9144000"/>
@@ -209,7 +215,7 @@
           <a:p>
             <a:fld id="{D386AB9F-80A6-489D-AB73-016962F19EFC}" type="datetimeFigureOut">
               <a:rPr lang="zh-CN" altLang="en-US" smtClean="0"/>
-              <a:t>2015/3/23</a:t>
+              <a:t>2015-03-29</a:t>
             </a:fld>
             <a:endParaRPr lang="zh-CN" altLang="en-US"/>
           </a:p>
@@ -374,7 +380,7 @@
           <a:p>
             <a:fld id="{1334A205-5ACD-46B2-B812-BEABA6DC3512}" type="datetimeFigureOut">
               <a:rPr lang="zh-CN" altLang="en-US" smtClean="0"/>
-              <a:t>2015/3/23</a:t>
+              <a:t>2015-03-29</a:t>
             </a:fld>
             <a:endParaRPr lang="zh-CN" altLang="en-US"/>
           </a:p>
@@ -1098,7 +1104,7 @@
           <a:p>
             <a:fld id="{530820CF-B880-4189-942D-D702A7CBA730}" type="datetimeFigureOut">
               <a:rPr lang="zh-CN" altLang="en-US" smtClean="0"/>
-              <a:t>2015/3/23</a:t>
+              <a:t>2015-03-29</a:t>
             </a:fld>
             <a:endParaRPr lang="zh-CN" altLang="en-US"/>
           </a:p>
@@ -1574,7 +1580,7 @@
           <a:p>
             <a:fld id="{530820CF-B880-4189-942D-D702A7CBA730}" type="datetimeFigureOut">
               <a:rPr lang="zh-CN" altLang="en-US" smtClean="0"/>
-              <a:t>2015/3/23</a:t>
+              <a:t>2015-03-29</a:t>
             </a:fld>
             <a:endParaRPr lang="zh-CN" altLang="en-US"/>
           </a:p>
@@ -1749,7 +1755,7 @@
           <a:p>
             <a:fld id="{530820CF-B880-4189-942D-D702A7CBA730}" type="datetimeFigureOut">
               <a:rPr lang="zh-CN" altLang="en-US" smtClean="0"/>
-              <a:t>2015/3/23</a:t>
+              <a:t>2015-03-29</a:t>
             </a:fld>
             <a:endParaRPr lang="zh-CN" altLang="en-US"/>
           </a:p>
@@ -1914,7 +1920,7 @@
           <a:p>
             <a:fld id="{530820CF-B880-4189-942D-D702A7CBA730}" type="datetimeFigureOut">
               <a:rPr lang="zh-CN" altLang="en-US" smtClean="0"/>
-              <a:t>2015/3/23</a:t>
+              <a:t>2015-03-29</a:t>
             </a:fld>
             <a:endParaRPr lang="zh-CN" altLang="en-US"/>
           </a:p>
@@ -2466,7 +2472,7 @@
           <a:p>
             <a:fld id="{530820CF-B880-4189-942D-D702A7CBA730}" type="datetimeFigureOut">
               <a:rPr lang="zh-CN" altLang="en-US" smtClean="0"/>
-              <a:t>2015/3/23</a:t>
+              <a:t>2015-03-29</a:t>
             </a:fld>
             <a:endParaRPr lang="zh-CN" altLang="en-US"/>
           </a:p>
@@ -2978,7 +2984,7 @@
           <a:p>
             <a:fld id="{530820CF-B880-4189-942D-D702A7CBA730}" type="datetimeFigureOut">
               <a:rPr lang="zh-CN" altLang="en-US" smtClean="0"/>
-              <a:t>2015/3/23</a:t>
+              <a:t>2015-03-29</a:t>
             </a:fld>
             <a:endParaRPr lang="zh-CN" altLang="en-US"/>
           </a:p>
@@ -3624,7 +3630,7 @@
           <a:p>
             <a:fld id="{530820CF-B880-4189-942D-D702A7CBA730}" type="datetimeFigureOut">
               <a:rPr lang="zh-CN" altLang="en-US" smtClean="0"/>
-              <a:t>2015/3/23</a:t>
+              <a:t>2015-03-29</a:t>
             </a:fld>
             <a:endParaRPr lang="zh-CN" altLang="en-US"/>
           </a:p>
@@ -3966,7 +3972,7 @@
           <a:p>
             <a:fld id="{530820CF-B880-4189-942D-D702A7CBA730}" type="datetimeFigureOut">
               <a:rPr lang="zh-CN" altLang="en-US" smtClean="0"/>
-              <a:t>2015/3/23</a:t>
+              <a:t>2015-03-29</a:t>
             </a:fld>
             <a:endParaRPr lang="zh-CN" altLang="en-US"/>
           </a:p>
@@ -4285,7 +4291,7 @@
           <a:p>
             <a:fld id="{530820CF-B880-4189-942D-D702A7CBA730}" type="datetimeFigureOut">
               <a:rPr lang="zh-CN" altLang="en-US" smtClean="0"/>
-              <a:t>2015/3/23</a:t>
+              <a:t>2015-03-29</a:t>
             </a:fld>
             <a:endParaRPr lang="zh-CN" altLang="en-US"/>
           </a:p>
@@ -4564,7 +4570,7 @@
           <a:p>
             <a:fld id="{530820CF-B880-4189-942D-D702A7CBA730}" type="datetimeFigureOut">
               <a:rPr lang="zh-CN" altLang="en-US" smtClean="0"/>
-              <a:t>2015/3/23</a:t>
+              <a:t>2015-03-29</a:t>
             </a:fld>
             <a:endParaRPr lang="zh-CN" altLang="en-US"/>
           </a:p>
@@ -4812,7 +4818,7 @@
           <a:p>
             <a:fld id="{530820CF-B880-4189-942D-D702A7CBA730}" type="datetimeFigureOut">
               <a:rPr lang="zh-CN" altLang="en-US" smtClean="0"/>
-              <a:t>2015/3/23</a:t>
+              <a:t>2015-03-29</a:t>
             </a:fld>
             <a:endParaRPr lang="zh-CN" altLang="en-US"/>
           </a:p>
@@ -5020,7 +5026,7 @@
           <a:p>
             <a:fld id="{530820CF-B880-4189-942D-D702A7CBA730}" type="datetimeFigureOut">
               <a:rPr lang="zh-CN" altLang="en-US" smtClean="0"/>
-              <a:t>2015/3/23</a:t>
+              <a:t>2015-03-29</a:t>
             </a:fld>
             <a:endParaRPr lang="zh-CN" altLang="en-US"/>
           </a:p>
@@ -6885,6 +6891,13 @@
   <p:clrMapOvr>
     <a:masterClrMapping/>
   </p:clrMapOvr>
+  <p:timing>
+    <p:tnLst>
+      <p:par>
+        <p:cTn id="1" dur="indefinite" restart="never" nodeType="tmRoot"/>
+      </p:par>
+    </p:tnLst>
+  </p:timing>
 </p:sld>
 </file>
 
@@ -8094,6 +8107,13 @@
   <p:clrMapOvr>
     <a:masterClrMapping/>
   </p:clrMapOvr>
+  <p:timing>
+    <p:tnLst>
+      <p:par>
+        <p:cTn id="1" dur="indefinite" restart="never" nodeType="tmRoot"/>
+      </p:par>
+    </p:tnLst>
+  </p:timing>
 </p:sld>
 </file>
 
@@ -8269,6 +8289,13 @@
   <p:clrMapOvr>
     <a:masterClrMapping/>
   </p:clrMapOvr>
+  <p:timing>
+    <p:tnLst>
+      <p:par>
+        <p:cTn id="1" dur="indefinite" restart="never" nodeType="tmRoot"/>
+      </p:par>
+    </p:tnLst>
+  </p:timing>
 </p:sld>
 </file>
 
@@ -8564,7 +8591,7 @@
         </p:nvSpPr>
         <p:spPr bwMode="auto">
           <a:xfrm>
-            <a:off x="2917640" y="3153834"/>
+            <a:off x="1547664" y="3234308"/>
             <a:ext cx="766538" cy="461655"/>
           </a:xfrm>
           <a:prstGeom prst="rect">
@@ -8766,18 +8793,31 @@
           <a:chExt cx="0" cy="0"/>
         </a:xfrm>
       </p:grpSpPr>
-      <p:sp>
-        <p:nvSpPr>
-          <p:cNvPr id="20485" name="Text Box 5"/>
-          <p:cNvSpPr txBox="1">
-            <a:spLocks noChangeArrowheads="1"/>
-          </p:cNvSpPr>
+      <p:pic>
+        <p:nvPicPr>
+          <p:cNvPr id="1026" name="Picture 2"/>
+          <p:cNvPicPr>
+            <a:picLocks noChangeAspect="1" noChangeArrowheads="1"/>
+          </p:cNvPicPr>
           <p:nvPr/>
-        </p:nvSpPr>
+        </p:nvPicPr>
+        <p:blipFill>
+          <a:blip r:embed="rId2">
+            <a:extLst>
+              <a:ext uri="{28A0092B-C50C-407E-A947-70E740481C1C}">
+                <a14:useLocalDpi xmlns:a14="http://schemas.microsoft.com/office/drawing/2010/main" val="0"/>
+              </a:ext>
+            </a:extLst>
+          </a:blip>
+          <a:srcRect/>
+          <a:stretch>
+            <a:fillRect/>
+          </a:stretch>
+        </p:blipFill>
         <p:spPr bwMode="auto">
           <a:xfrm>
-            <a:off x="685397" y="1502834"/>
-            <a:ext cx="1005385" cy="338544"/>
+            <a:off x="0" y="1916832"/>
+            <a:ext cx="9144000" cy="4435643"/>
           </a:xfrm>
           <a:prstGeom prst="rect">
             <a:avLst/>
@@ -8816,122 +8856,77 @@
             </a:ext>
           </a:extLst>
         </p:spPr>
+      </p:pic>
+      <p:sp>
+        <p:nvSpPr>
+          <p:cNvPr id="6" name="标题 1"/>
+          <p:cNvSpPr txBox="1">
+            <a:spLocks/>
+          </p:cNvSpPr>
+          <p:nvPr/>
+        </p:nvSpPr>
+        <p:spPr>
+          <a:xfrm>
+            <a:off x="251520" y="842863"/>
+            <a:ext cx="8110557" cy="569913"/>
+          </a:xfrm>
+          <a:prstGeom prst="rect">
+            <a:avLst/>
+          </a:prstGeom>
+          <a:ln w="6350">
+            <a:noFill/>
+          </a:ln>
+        </p:spPr>
         <p:txBody>
-          <a:bodyPr wrap="none" lIns="91431" tIns="45715" rIns="91431" bIns="45715">
-            <a:spAutoFit/>
+          <a:bodyPr lIns="102870" tIns="51435" rIns="102870" bIns="51435" anchor="ctr">
+            <a:normAutofit/>
           </a:bodyPr>
-          <a:lstStyle/>
-          <a:p>
-            <a:pPr>
+          <a:lstStyle>
+            <a:lvl1pPr algn="l" defTabSz="1028700" rtl="0" eaLnBrk="1" latinLnBrk="0" hangingPunct="1">
+              <a:spcBef>
+                <a:spcPct val="0"/>
+              </a:spcBef>
+              <a:buNone/>
+              <a:defRPr sz="2700" b="1" kern="1200">
+                <a:solidFill>
+                  <a:srgbClr val="00B0F0"/>
+                </a:solidFill>
+                <a:latin typeface="微软雅黑" pitchFamily="34" charset="-122"/>
+                <a:ea typeface="微软雅黑" pitchFamily="34" charset="-122"/>
+                <a:cs typeface="+mj-cs"/>
+              </a:defRPr>
+            </a:lvl1pPr>
+          </a:lstStyle>
+          <a:p>
+            <a:pPr fontAlgn="auto">
+              <a:spcAft>
+                <a:spcPts val="0"/>
+              </a:spcAft>
+              <a:tabLst>
+                <a:tab pos="5294313" algn="l"/>
+              </a:tabLst>
               <a:defRPr/>
             </a:pPr>
             <a:r>
-              <a:rPr lang="zh-CN" altLang="en-US" sz="1600" b="1" dirty="0">
-                <a:solidFill>
-                  <a:schemeClr val="tx1">
-                    <a:lumMod val="50000"/>
-                    <a:lumOff val="50000"/>
-                  </a:schemeClr>
-                </a:solidFill>
-                <a:latin typeface="微软雅黑" pitchFamily="34" charset="-122"/>
-                <a:ea typeface="微软雅黑" pitchFamily="34" charset="-122"/>
-              </a:rPr>
-              <a:t>图片展示</a:t>
-            </a:r>
-            <a:endParaRPr lang="zh-CN" altLang="en-US" sz="1600" b="1" dirty="0">
+              <a:rPr lang="zh-CN" altLang="en-US" dirty="0" smtClean="0"/>
+              <a:t>通用</a:t>
+            </a:r>
+            <a:r>
+              <a:rPr lang="zh-CN" altLang="en-US" dirty="0"/>
+              <a:t>爬虫</a:t>
+            </a:r>
+            <a:r>
+              <a:rPr lang="zh-CN" altLang="en-US" dirty="0" smtClean="0"/>
+              <a:t>架构</a:t>
+            </a:r>
+            <a:endParaRPr lang="en-US" altLang="zh-CN" dirty="0">
               <a:solidFill>
                 <a:schemeClr val="tx1">
                   <a:lumMod val="50000"/>
                   <a:lumOff val="50000"/>
                 </a:schemeClr>
               </a:solidFill>
-              <a:latin typeface="微软雅黑" pitchFamily="34" charset="-122"/>
-              <a:ea typeface="微软雅黑" pitchFamily="34" charset="-122"/>
             </a:endParaRPr>
-          </a:p>
-        </p:txBody>
-      </p:sp>
-      <p:sp>
-        <p:nvSpPr>
-          <p:cNvPr id="2" name="标题 1"/>
-          <p:cNvSpPr>
-            <a:spLocks noGrp="1"/>
-          </p:cNvSpPr>
-          <p:nvPr>
-            <p:ph type="title"/>
-          </p:nvPr>
-        </p:nvSpPr>
-        <p:spPr/>
-        <p:txBody>
-          <a:bodyPr rtlCol="0">
-            <a:normAutofit/>
-          </a:bodyPr>
-          <a:lstStyle/>
-          <a:p>
-            <a:pPr>
-              <a:defRPr/>
-            </a:pPr>
-            <a:r>
-              <a:rPr lang="zh-CN" altLang="en-US" dirty="0" smtClean="0"/>
-              <a:t>通用爬虫架构</a:t>
-            </a:r>
-            <a:endParaRPr lang="zh-CN" altLang="en-US" dirty="0"/>
-          </a:p>
-        </p:txBody>
-      </p:sp>
-      <p:sp>
-        <p:nvSpPr>
-          <p:cNvPr id="5" name="矩形 4"/>
-          <p:cNvSpPr/>
-          <p:nvPr/>
-        </p:nvSpPr>
-        <p:spPr>
-          <a:xfrm>
-            <a:off x="685397" y="2100282"/>
-            <a:ext cx="7848596" cy="3900433"/>
-          </a:xfrm>
-          <a:prstGeom prst="rect">
-            <a:avLst/>
-          </a:prstGeom>
-          <a:solidFill>
-            <a:schemeClr val="bg1">
-              <a:lumMod val="50000"/>
-            </a:schemeClr>
-          </a:solidFill>
-          <a:ln>
-            <a:solidFill>
-              <a:schemeClr val="bg1">
-                <a:lumMod val="85000"/>
-              </a:schemeClr>
-            </a:solidFill>
-          </a:ln>
-        </p:spPr>
-        <p:style>
-          <a:lnRef idx="2">
-            <a:schemeClr val="accent1">
-              <a:shade val="50000"/>
-            </a:schemeClr>
-          </a:lnRef>
-          <a:fillRef idx="1">
-            <a:schemeClr val="accent1"/>
-          </a:fillRef>
-          <a:effectRef idx="0">
-            <a:schemeClr val="accent1"/>
-          </a:effectRef>
-          <a:fontRef idx="minor">
-            <a:schemeClr val="lt1"/>
-          </a:fontRef>
-        </p:style>
-        <p:txBody>
-          <a:bodyPr lIns="81272" tIns="40636" rIns="81272" bIns="40636" rtlCol="0" anchor="ctr"/>
-          <a:lstStyle/>
-          <a:p>
-            <a:pPr algn="ctr"/>
-            <a:r>
-              <a:rPr lang="en-US" altLang="zh-CN" sz="4800" dirty="0"/>
-              <a:t>PHOTO</a:t>
-            </a:r>
-            <a:endParaRPr lang="zh-CN" altLang="en-US" sz="4800" dirty="0"/>
           </a:p>
         </p:txBody>
       </p:sp>
@@ -8956,6 +8951,2734 @@
 </file>
 
 <file path=ppt/slides/slide15.xml><?xml version="1.0" encoding="utf-8"?>
+<p:sld xmlns:a="http://schemas.openxmlformats.org/drawingml/2006/main" xmlns:r="http://schemas.openxmlformats.org/officeDocument/2006/relationships" xmlns:p="http://schemas.openxmlformats.org/presentationml/2006/main">
+  <p:cSld>
+    <p:spTree>
+      <p:nvGrpSpPr>
+        <p:cNvPr id="1" name=""/>
+        <p:cNvGrpSpPr/>
+        <p:nvPr/>
+      </p:nvGrpSpPr>
+      <p:grpSpPr>
+        <a:xfrm>
+          <a:off x="0" y="0"/>
+          <a:ext cx="0" cy="0"/>
+          <a:chOff x="0" y="0"/>
+          <a:chExt cx="0" cy="0"/>
+        </a:xfrm>
+      </p:grpSpPr>
+      <p:grpSp>
+        <p:nvGrpSpPr>
+          <p:cNvPr id="2" name="组合 1"/>
+          <p:cNvGrpSpPr/>
+          <p:nvPr/>
+        </p:nvGrpSpPr>
+        <p:grpSpPr>
+          <a:xfrm>
+            <a:off x="446899" y="450850"/>
+            <a:ext cx="8142133" cy="1123313"/>
+            <a:chOff x="457457" y="450850"/>
+            <a:chExt cx="9758106" cy="1123313"/>
+          </a:xfrm>
+        </p:grpSpPr>
+        <p:sp>
+          <p:nvSpPr>
+            <p:cNvPr id="13" name="标题 1"/>
+            <p:cNvSpPr txBox="1">
+              <a:spLocks/>
+            </p:cNvSpPr>
+            <p:nvPr/>
+          </p:nvSpPr>
+          <p:spPr>
+            <a:xfrm>
+              <a:off x="495300" y="450850"/>
+              <a:ext cx="9720263" cy="569913"/>
+            </a:xfrm>
+            <a:prstGeom prst="rect">
+              <a:avLst/>
+            </a:prstGeom>
+            <a:ln w="6350">
+              <a:noFill/>
+            </a:ln>
+          </p:spPr>
+          <p:txBody>
+            <a:bodyPr lIns="102870" tIns="51435" rIns="102870" bIns="51435" anchor="ctr">
+              <a:normAutofit/>
+            </a:bodyPr>
+            <a:lstStyle>
+              <a:lvl1pPr algn="l" defTabSz="1028700" rtl="0" eaLnBrk="1" latinLnBrk="0" hangingPunct="1">
+                <a:spcBef>
+                  <a:spcPct val="0"/>
+                </a:spcBef>
+                <a:buNone/>
+                <a:defRPr sz="2700" b="1" kern="1200">
+                  <a:solidFill>
+                    <a:srgbClr val="00B0F0"/>
+                  </a:solidFill>
+                  <a:latin typeface="微软雅黑" pitchFamily="34" charset="-122"/>
+                  <a:ea typeface="微软雅黑" pitchFamily="34" charset="-122"/>
+                  <a:cs typeface="+mj-cs"/>
+                </a:defRPr>
+              </a:lvl1pPr>
+            </a:lstStyle>
+            <a:p>
+              <a:pPr fontAlgn="auto">
+                <a:spcAft>
+                  <a:spcPts val="0"/>
+                </a:spcAft>
+                <a:tabLst>
+                  <a:tab pos="5294313" algn="l"/>
+                </a:tabLst>
+                <a:defRPr/>
+              </a:pPr>
+              <a:r>
+                <a:rPr lang="zh-CN" altLang="en-US" dirty="0" smtClean="0"/>
+                <a:t>抓取策略的选择</a:t>
+              </a:r>
+              <a:endParaRPr lang="en-US" altLang="zh-CN" dirty="0">
+                <a:solidFill>
+                  <a:schemeClr val="tx1">
+                    <a:lumMod val="50000"/>
+                    <a:lumOff val="50000"/>
+                  </a:schemeClr>
+                </a:solidFill>
+              </a:endParaRPr>
+            </a:p>
+          </p:txBody>
+        </p:sp>
+        <p:sp>
+          <p:nvSpPr>
+            <p:cNvPr id="21" name="矩形 9"/>
+            <p:cNvSpPr>
+              <a:spLocks noChangeArrowheads="1"/>
+            </p:cNvSpPr>
+            <p:nvPr/>
+          </p:nvSpPr>
+          <p:spPr bwMode="auto">
+            <a:xfrm>
+              <a:off x="457457" y="1196752"/>
+              <a:ext cx="9359901" cy="377411"/>
+            </a:xfrm>
+            <a:prstGeom prst="rect">
+              <a:avLst/>
+            </a:prstGeom>
+            <a:noFill/>
+            <a:ln>
+              <a:noFill/>
+            </a:ln>
+            <a:extLst>
+              <a:ext uri="{909E8E84-426E-40DD-AFC4-6F175D3DCCD1}">
+                <a14:hiddenFill xmlns:a14="http://schemas.microsoft.com/office/drawing/2010/main">
+                  <a:solidFill>
+                    <a:srgbClr val="FFFFFF"/>
+                  </a:solidFill>
+                </a14:hiddenFill>
+              </a:ext>
+              <a:ext uri="{91240B29-F687-4F45-9708-019B960494DF}">
+                <a14:hiddenLine xmlns:a14="http://schemas.microsoft.com/office/drawing/2010/main" w="9525">
+                  <a:solidFill>
+                    <a:srgbClr val="000000"/>
+                  </a:solidFill>
+                  <a:miter lim="800000"/>
+                  <a:headEnd/>
+                  <a:tailEnd/>
+                </a14:hiddenLine>
+              </a:ext>
+            </a:extLst>
+          </p:spPr>
+          <p:txBody>
+            <a:bodyPr>
+              <a:spAutoFit/>
+            </a:bodyPr>
+            <a:lstStyle/>
+            <a:p>
+              <a:pPr>
+                <a:lnSpc>
+                  <a:spcPct val="150000"/>
+                </a:lnSpc>
+              </a:pPr>
+              <a:endParaRPr lang="zh-CN" altLang="en-US" sz="1400" dirty="0">
+                <a:latin typeface="微软雅黑" pitchFamily="34" charset="-122"/>
+                <a:ea typeface="微软雅黑" pitchFamily="34" charset="-122"/>
+              </a:endParaRPr>
+            </a:p>
+          </p:txBody>
+        </p:sp>
+      </p:grpSp>
+      <p:sp>
+        <p:nvSpPr>
+          <p:cNvPr id="5" name="TextBox 4"/>
+          <p:cNvSpPr txBox="1"/>
+          <p:nvPr/>
+        </p:nvSpPr>
+        <p:spPr>
+          <a:xfrm>
+            <a:off x="179512" y="1209138"/>
+            <a:ext cx="4981081" cy="4929547"/>
+          </a:xfrm>
+          <a:prstGeom prst="rect">
+            <a:avLst/>
+          </a:prstGeom>
+          <a:noFill/>
+        </p:spPr>
+        <p:txBody>
+          <a:bodyPr wrap="square" lIns="81272" tIns="40636" rIns="81272" bIns="40636" rtlCol="0">
+            <a:spAutoFit/>
+          </a:bodyPr>
+          <a:lstStyle>
+            <a:defPPr>
+              <a:defRPr lang="zh-CN"/>
+            </a:defPPr>
+            <a:lvl1pPr>
+              <a:lnSpc>
+                <a:spcPct val="150000"/>
+              </a:lnSpc>
+              <a:defRPr sz="1800">
+                <a:latin typeface="幼圆" pitchFamily="49" charset="-122"/>
+                <a:ea typeface="幼圆" pitchFamily="49" charset="-122"/>
+              </a:defRPr>
+            </a:lvl1pPr>
+          </a:lstStyle>
+          <a:p>
+            <a:r>
+              <a:rPr lang="zh-CN" altLang="en-US" sz="1400" b="1" dirty="0" smtClean="0">
+                <a:solidFill>
+                  <a:srgbClr val="00B0F0"/>
+                </a:solidFill>
+              </a:rPr>
+              <a:t>实际需求：尽量快的抓取到新更新的新闻内容</a:t>
+            </a:r>
+            <a:endParaRPr lang="en-US" altLang="zh-CN" sz="1400" b="1" dirty="0" smtClean="0">
+              <a:solidFill>
+                <a:srgbClr val="00B0F0"/>
+              </a:solidFill>
+            </a:endParaRPr>
+          </a:p>
+          <a:p>
+            <a:r>
+              <a:rPr lang="zh-CN" altLang="en-US" sz="1400" b="1" dirty="0" smtClean="0">
+                <a:solidFill>
+                  <a:srgbClr val="00B0F0"/>
+                </a:solidFill>
+              </a:rPr>
+              <a:t>解决方案：</a:t>
+            </a:r>
+            <a:endParaRPr lang="en-US" altLang="zh-CN" sz="1400" b="1" dirty="0" smtClean="0">
+              <a:solidFill>
+                <a:srgbClr val="00B0F0"/>
+              </a:solidFill>
+            </a:endParaRPr>
+          </a:p>
+          <a:p>
+            <a:r>
+              <a:rPr lang="en-US" altLang="zh-CN" sz="1400" b="1" dirty="0">
+                <a:solidFill>
+                  <a:srgbClr val="00B0F0"/>
+                </a:solidFill>
+              </a:rPr>
+              <a:t> </a:t>
+            </a:r>
+            <a:r>
+              <a:rPr lang="en-US" altLang="zh-CN" sz="1400" b="1" dirty="0" smtClean="0">
+                <a:solidFill>
+                  <a:srgbClr val="00B0F0"/>
+                </a:solidFill>
+              </a:rPr>
+              <a:t>   </a:t>
+            </a:r>
+            <a:r>
+              <a:rPr lang="zh-CN" altLang="en-US" sz="1400" b="1" dirty="0" smtClean="0">
+                <a:solidFill>
+                  <a:srgbClr val="00B0F0"/>
+                </a:solidFill>
+              </a:rPr>
+              <a:t>方案一：全网抓取（深度优先或广度优先）</a:t>
+            </a:r>
+            <a:endParaRPr lang="en-US" altLang="zh-CN" sz="1400" b="1" dirty="0" smtClean="0">
+              <a:solidFill>
+                <a:srgbClr val="00B0F0"/>
+              </a:solidFill>
+            </a:endParaRPr>
+          </a:p>
+          <a:p>
+            <a:r>
+              <a:rPr lang="en-US" altLang="zh-CN" sz="1400" b="1" dirty="0">
+                <a:solidFill>
+                  <a:srgbClr val="00B0F0"/>
+                </a:solidFill>
+              </a:rPr>
+              <a:t> </a:t>
+            </a:r>
+            <a:r>
+              <a:rPr lang="en-US" altLang="zh-CN" sz="1400" b="1" dirty="0" smtClean="0">
+                <a:solidFill>
+                  <a:srgbClr val="00B0F0"/>
+                </a:solidFill>
+              </a:rPr>
+              <a:t>   </a:t>
+            </a:r>
+            <a:r>
+              <a:rPr lang="zh-CN" altLang="en-US" sz="1400" b="1" dirty="0" smtClean="0">
+                <a:solidFill>
+                  <a:srgbClr val="00B0F0"/>
+                </a:solidFill>
+              </a:rPr>
+              <a:t>方案二：最佳优先抓取</a:t>
+            </a:r>
+            <a:endParaRPr lang="en-US" altLang="zh-CN" sz="1400" b="1" dirty="0" smtClean="0">
+              <a:solidFill>
+                <a:srgbClr val="00B0F0"/>
+              </a:solidFill>
+            </a:endParaRPr>
+          </a:p>
+          <a:p>
+            <a:endParaRPr lang="en-US" altLang="zh-CN" sz="1400" b="1" dirty="0" smtClean="0">
+              <a:solidFill>
+                <a:srgbClr val="00B0F0"/>
+              </a:solidFill>
+            </a:endParaRPr>
+          </a:p>
+          <a:p>
+            <a:endParaRPr lang="en-US" altLang="zh-CN" sz="1400" b="1" dirty="0">
+              <a:solidFill>
+                <a:srgbClr val="00B0F0"/>
+              </a:solidFill>
+            </a:endParaRPr>
+          </a:p>
+          <a:p>
+            <a:endParaRPr lang="en-US" altLang="zh-CN" sz="1400" b="1" dirty="0" smtClean="0">
+              <a:solidFill>
+                <a:srgbClr val="00B0F0"/>
+              </a:solidFill>
+            </a:endParaRPr>
+          </a:p>
+          <a:p>
+            <a:endParaRPr lang="en-US" altLang="zh-CN" sz="1400" b="1" dirty="0">
+              <a:solidFill>
+                <a:srgbClr val="00B0F0"/>
+              </a:solidFill>
+            </a:endParaRPr>
+          </a:p>
+          <a:p>
+            <a:endParaRPr lang="en-US" altLang="zh-CN" sz="1400" b="1" dirty="0" smtClean="0">
+              <a:solidFill>
+                <a:srgbClr val="00B0F0"/>
+              </a:solidFill>
+            </a:endParaRPr>
+          </a:p>
+          <a:p>
+            <a:endParaRPr lang="en-US" altLang="zh-CN" sz="1400" b="1" dirty="0">
+              <a:solidFill>
+                <a:srgbClr val="00B0F0"/>
+              </a:solidFill>
+            </a:endParaRPr>
+          </a:p>
+          <a:p>
+            <a:endParaRPr lang="en-US" altLang="zh-CN" sz="1400" b="1" dirty="0" smtClean="0">
+              <a:solidFill>
+                <a:srgbClr val="00B0F0"/>
+              </a:solidFill>
+            </a:endParaRPr>
+          </a:p>
+          <a:p>
+            <a:endParaRPr lang="en-US" altLang="zh-CN" sz="1400" b="1" dirty="0">
+              <a:solidFill>
+                <a:srgbClr val="00B0F0"/>
+              </a:solidFill>
+            </a:endParaRPr>
+          </a:p>
+          <a:p>
+            <a:endParaRPr lang="en-US" altLang="zh-CN" sz="1400" b="1" dirty="0">
+              <a:solidFill>
+                <a:srgbClr val="00B0F0"/>
+              </a:solidFill>
+            </a:endParaRPr>
+          </a:p>
+          <a:p>
+            <a:r>
+              <a:rPr lang="zh-CN" altLang="en-US" sz="1400" b="1" dirty="0" smtClean="0">
+                <a:solidFill>
+                  <a:srgbClr val="00B0F0"/>
+                </a:solidFill>
+              </a:rPr>
+              <a:t>领导提问：还能再快点嘛？</a:t>
+            </a:r>
+            <a:endParaRPr lang="en-US" altLang="zh-CN" sz="1400" b="1" dirty="0" smtClean="0">
+              <a:solidFill>
+                <a:srgbClr val="00B0F0"/>
+              </a:solidFill>
+            </a:endParaRPr>
+          </a:p>
+          <a:p>
+            <a:r>
+              <a:rPr lang="en-US" altLang="zh-CN" sz="1400" b="1" dirty="0">
+                <a:solidFill>
+                  <a:srgbClr val="00B0F0"/>
+                </a:solidFill>
+              </a:rPr>
+              <a:t> </a:t>
+            </a:r>
+            <a:r>
+              <a:rPr lang="en-US" altLang="zh-CN" sz="1400" b="1" dirty="0" smtClean="0">
+                <a:solidFill>
+                  <a:srgbClr val="00B0F0"/>
+                </a:solidFill>
+              </a:rPr>
+              <a:t>   </a:t>
+            </a:r>
+            <a:endParaRPr lang="zh-CN" altLang="en-US" sz="1400" b="1" dirty="0">
+              <a:solidFill>
+                <a:srgbClr val="00B0F0"/>
+              </a:solidFill>
+            </a:endParaRPr>
+          </a:p>
+        </p:txBody>
+      </p:sp>
+      <p:pic>
+        <p:nvPicPr>
+          <p:cNvPr id="2050" name="Picture 2"/>
+          <p:cNvPicPr>
+            <a:picLocks noChangeAspect="1" noChangeArrowheads="1"/>
+          </p:cNvPicPr>
+          <p:nvPr/>
+        </p:nvPicPr>
+        <p:blipFill>
+          <a:blip r:embed="rId2">
+            <a:extLst>
+              <a:ext uri="{28A0092B-C50C-407E-A947-70E740481C1C}">
+                <a14:useLocalDpi xmlns:a14="http://schemas.microsoft.com/office/drawing/2010/main" val="0"/>
+              </a:ext>
+            </a:extLst>
+          </a:blip>
+          <a:srcRect/>
+          <a:stretch>
+            <a:fillRect/>
+          </a:stretch>
+        </p:blipFill>
+        <p:spPr bwMode="auto">
+          <a:xfrm>
+            <a:off x="4351835" y="1124744"/>
+            <a:ext cx="4625717" cy="4574986"/>
+          </a:xfrm>
+          <a:prstGeom prst="rect">
+            <a:avLst/>
+          </a:prstGeom>
+          <a:noFill/>
+          <a:ln>
+            <a:noFill/>
+          </a:ln>
+          <a:effectLst/>
+          <a:extLst>
+            <a:ext uri="{909E8E84-426E-40DD-AFC4-6F175D3DCCD1}">
+              <a14:hiddenFill xmlns:a14="http://schemas.microsoft.com/office/drawing/2010/main">
+                <a:solidFill>
+                  <a:schemeClr val="accent1"/>
+                </a:solidFill>
+              </a14:hiddenFill>
+            </a:ext>
+            <a:ext uri="{91240B29-F687-4F45-9708-019B960494DF}">
+              <a14:hiddenLine xmlns:a14="http://schemas.microsoft.com/office/drawing/2010/main" w="9525">
+                <a:solidFill>
+                  <a:schemeClr val="tx1"/>
+                </a:solidFill>
+                <a:miter lim="800000"/>
+                <a:headEnd/>
+                <a:tailEnd/>
+              </a14:hiddenLine>
+            </a:ext>
+            <a:ext uri="{AF507438-7753-43E0-B8FC-AC1667EBCBE1}">
+              <a14:hiddenEffects xmlns:a14="http://schemas.microsoft.com/office/drawing/2010/main">
+                <a:effectLst>
+                  <a:outerShdw dist="35921" dir="2700000" algn="ctr" rotWithShape="0">
+                    <a:schemeClr val="bg2"/>
+                  </a:outerShdw>
+                </a:effectLst>
+              </a14:hiddenEffects>
+            </a:ext>
+          </a:extLst>
+        </p:spPr>
+      </p:pic>
+    </p:spTree>
+    <p:extLst>
+      <p:ext uri="{BB962C8B-B14F-4D97-AF65-F5344CB8AC3E}">
+        <p14:creationId xmlns:p14="http://schemas.microsoft.com/office/powerpoint/2010/main" val="3186338918"/>
+      </p:ext>
+    </p:extLst>
+  </p:cSld>
+  <p:clrMapOvr>
+    <a:masterClrMapping/>
+  </p:clrMapOvr>
+  <p:timing>
+    <p:tnLst>
+      <p:par>
+        <p:cTn id="1" dur="indefinite" restart="never" nodeType="tmRoot"/>
+      </p:par>
+    </p:tnLst>
+  </p:timing>
+</p:sld>
+</file>
+
+<file path=ppt/slides/slide16.xml><?xml version="1.0" encoding="utf-8"?>
+<p:sld xmlns:a="http://schemas.openxmlformats.org/drawingml/2006/main" xmlns:r="http://schemas.openxmlformats.org/officeDocument/2006/relationships" xmlns:p="http://schemas.openxmlformats.org/presentationml/2006/main">
+  <p:cSld>
+    <p:spTree>
+      <p:nvGrpSpPr>
+        <p:cNvPr id="1" name=""/>
+        <p:cNvGrpSpPr/>
+        <p:nvPr/>
+      </p:nvGrpSpPr>
+      <p:grpSpPr>
+        <a:xfrm>
+          <a:off x="0" y="0"/>
+          <a:ext cx="0" cy="0"/>
+          <a:chOff x="0" y="0"/>
+          <a:chExt cx="0" cy="0"/>
+        </a:xfrm>
+      </p:grpSpPr>
+      <p:grpSp>
+        <p:nvGrpSpPr>
+          <p:cNvPr id="2" name="组合 1"/>
+          <p:cNvGrpSpPr/>
+          <p:nvPr/>
+        </p:nvGrpSpPr>
+        <p:grpSpPr>
+          <a:xfrm>
+            <a:off x="446899" y="450850"/>
+            <a:ext cx="8142133" cy="1123313"/>
+            <a:chOff x="457457" y="450850"/>
+            <a:chExt cx="9758106" cy="1123313"/>
+          </a:xfrm>
+        </p:grpSpPr>
+        <p:sp>
+          <p:nvSpPr>
+            <p:cNvPr id="13" name="标题 1"/>
+            <p:cNvSpPr txBox="1">
+              <a:spLocks/>
+            </p:cNvSpPr>
+            <p:nvPr/>
+          </p:nvSpPr>
+          <p:spPr>
+            <a:xfrm>
+              <a:off x="495300" y="450850"/>
+              <a:ext cx="9720263" cy="569913"/>
+            </a:xfrm>
+            <a:prstGeom prst="rect">
+              <a:avLst/>
+            </a:prstGeom>
+            <a:ln w="6350">
+              <a:noFill/>
+            </a:ln>
+          </p:spPr>
+          <p:txBody>
+            <a:bodyPr lIns="102870" tIns="51435" rIns="102870" bIns="51435" anchor="ctr">
+              <a:normAutofit/>
+            </a:bodyPr>
+            <a:lstStyle>
+              <a:lvl1pPr algn="l" defTabSz="1028700" rtl="0" eaLnBrk="1" latinLnBrk="0" hangingPunct="1">
+                <a:spcBef>
+                  <a:spcPct val="0"/>
+                </a:spcBef>
+                <a:buNone/>
+                <a:defRPr sz="2700" b="1" kern="1200">
+                  <a:solidFill>
+                    <a:srgbClr val="00B0F0"/>
+                  </a:solidFill>
+                  <a:latin typeface="微软雅黑" pitchFamily="34" charset="-122"/>
+                  <a:ea typeface="微软雅黑" pitchFamily="34" charset="-122"/>
+                  <a:cs typeface="+mj-cs"/>
+                </a:defRPr>
+              </a:lvl1pPr>
+            </a:lstStyle>
+            <a:p>
+              <a:pPr fontAlgn="auto">
+                <a:spcAft>
+                  <a:spcPts val="0"/>
+                </a:spcAft>
+                <a:tabLst>
+                  <a:tab pos="5294313" algn="l"/>
+                </a:tabLst>
+                <a:defRPr/>
+              </a:pPr>
+              <a:r>
+                <a:rPr lang="en-US" altLang="zh-CN" dirty="0" smtClean="0"/>
+                <a:t>Fetch</a:t>
+              </a:r>
+              <a:r>
+                <a:rPr lang="zh-CN" altLang="en-US" dirty="0" smtClean="0"/>
+                <a:t>过程疑难点</a:t>
+              </a:r>
+              <a:endParaRPr lang="en-US" altLang="zh-CN" dirty="0">
+                <a:solidFill>
+                  <a:schemeClr val="tx1">
+                    <a:lumMod val="50000"/>
+                    <a:lumOff val="50000"/>
+                  </a:schemeClr>
+                </a:solidFill>
+              </a:endParaRPr>
+            </a:p>
+          </p:txBody>
+        </p:sp>
+        <p:sp>
+          <p:nvSpPr>
+            <p:cNvPr id="21" name="矩形 9"/>
+            <p:cNvSpPr>
+              <a:spLocks noChangeArrowheads="1"/>
+            </p:cNvSpPr>
+            <p:nvPr/>
+          </p:nvSpPr>
+          <p:spPr bwMode="auto">
+            <a:xfrm>
+              <a:off x="457457" y="1196752"/>
+              <a:ext cx="9359901" cy="377411"/>
+            </a:xfrm>
+            <a:prstGeom prst="rect">
+              <a:avLst/>
+            </a:prstGeom>
+            <a:noFill/>
+            <a:ln>
+              <a:noFill/>
+            </a:ln>
+            <a:extLst>
+              <a:ext uri="{909E8E84-426E-40DD-AFC4-6F175D3DCCD1}">
+                <a14:hiddenFill xmlns:a14="http://schemas.microsoft.com/office/drawing/2010/main">
+                  <a:solidFill>
+                    <a:srgbClr val="FFFFFF"/>
+                  </a:solidFill>
+                </a14:hiddenFill>
+              </a:ext>
+              <a:ext uri="{91240B29-F687-4F45-9708-019B960494DF}">
+                <a14:hiddenLine xmlns:a14="http://schemas.microsoft.com/office/drawing/2010/main" w="9525">
+                  <a:solidFill>
+                    <a:srgbClr val="000000"/>
+                  </a:solidFill>
+                  <a:miter lim="800000"/>
+                  <a:headEnd/>
+                  <a:tailEnd/>
+                </a14:hiddenLine>
+              </a:ext>
+            </a:extLst>
+          </p:spPr>
+          <p:txBody>
+            <a:bodyPr>
+              <a:spAutoFit/>
+            </a:bodyPr>
+            <a:lstStyle/>
+            <a:p>
+              <a:pPr>
+                <a:lnSpc>
+                  <a:spcPct val="150000"/>
+                </a:lnSpc>
+              </a:pPr>
+              <a:endParaRPr lang="zh-CN" altLang="en-US" sz="1400" dirty="0">
+                <a:latin typeface="微软雅黑" pitchFamily="34" charset="-122"/>
+                <a:ea typeface="微软雅黑" pitchFamily="34" charset="-122"/>
+              </a:endParaRPr>
+            </a:p>
+          </p:txBody>
+        </p:sp>
+      </p:grpSp>
+      <p:sp>
+        <p:nvSpPr>
+          <p:cNvPr id="5" name="TextBox 4"/>
+          <p:cNvSpPr txBox="1"/>
+          <p:nvPr/>
+        </p:nvSpPr>
+        <p:spPr>
+          <a:xfrm>
+            <a:off x="179512" y="1209138"/>
+            <a:ext cx="4981081" cy="4929547"/>
+          </a:xfrm>
+          <a:prstGeom prst="rect">
+            <a:avLst/>
+          </a:prstGeom>
+          <a:noFill/>
+        </p:spPr>
+        <p:txBody>
+          <a:bodyPr wrap="square" lIns="81272" tIns="40636" rIns="81272" bIns="40636" rtlCol="0">
+            <a:spAutoFit/>
+          </a:bodyPr>
+          <a:lstStyle>
+            <a:defPPr>
+              <a:defRPr lang="zh-CN"/>
+            </a:defPPr>
+            <a:lvl1pPr>
+              <a:lnSpc>
+                <a:spcPct val="150000"/>
+              </a:lnSpc>
+              <a:defRPr sz="1800">
+                <a:latin typeface="幼圆" pitchFamily="49" charset="-122"/>
+                <a:ea typeface="幼圆" pitchFamily="49" charset="-122"/>
+              </a:defRPr>
+            </a:lvl1pPr>
+          </a:lstStyle>
+          <a:p>
+            <a:r>
+              <a:rPr lang="zh-CN" altLang="en-US" sz="1400" b="1" dirty="0" smtClean="0">
+                <a:solidFill>
+                  <a:srgbClr val="00B0F0"/>
+                </a:solidFill>
+              </a:rPr>
+              <a:t>实际需求：尽量快的抓取到新更新的新闻内容</a:t>
+            </a:r>
+            <a:endParaRPr lang="en-US" altLang="zh-CN" sz="1400" b="1" dirty="0" smtClean="0">
+              <a:solidFill>
+                <a:srgbClr val="00B0F0"/>
+              </a:solidFill>
+            </a:endParaRPr>
+          </a:p>
+          <a:p>
+            <a:r>
+              <a:rPr lang="zh-CN" altLang="en-US" sz="1400" b="1" dirty="0" smtClean="0">
+                <a:solidFill>
+                  <a:srgbClr val="00B0F0"/>
+                </a:solidFill>
+              </a:rPr>
+              <a:t>解决方案：</a:t>
+            </a:r>
+            <a:endParaRPr lang="en-US" altLang="zh-CN" sz="1400" b="1" dirty="0" smtClean="0">
+              <a:solidFill>
+                <a:srgbClr val="00B0F0"/>
+              </a:solidFill>
+            </a:endParaRPr>
+          </a:p>
+          <a:p>
+            <a:r>
+              <a:rPr lang="en-US" altLang="zh-CN" sz="1400" b="1" dirty="0">
+                <a:solidFill>
+                  <a:srgbClr val="00B0F0"/>
+                </a:solidFill>
+              </a:rPr>
+              <a:t> </a:t>
+            </a:r>
+            <a:r>
+              <a:rPr lang="en-US" altLang="zh-CN" sz="1400" b="1" dirty="0" smtClean="0">
+                <a:solidFill>
+                  <a:srgbClr val="00B0F0"/>
+                </a:solidFill>
+              </a:rPr>
+              <a:t>   </a:t>
+            </a:r>
+            <a:r>
+              <a:rPr lang="zh-CN" altLang="en-US" sz="1400" b="1" dirty="0" smtClean="0">
+                <a:solidFill>
+                  <a:srgbClr val="00B0F0"/>
+                </a:solidFill>
+              </a:rPr>
+              <a:t>方案一：全网抓取（深度优先或广度优先）</a:t>
+            </a:r>
+            <a:endParaRPr lang="en-US" altLang="zh-CN" sz="1400" b="1" dirty="0" smtClean="0">
+              <a:solidFill>
+                <a:srgbClr val="00B0F0"/>
+              </a:solidFill>
+            </a:endParaRPr>
+          </a:p>
+          <a:p>
+            <a:r>
+              <a:rPr lang="en-US" altLang="zh-CN" sz="1400" b="1" dirty="0">
+                <a:solidFill>
+                  <a:srgbClr val="00B0F0"/>
+                </a:solidFill>
+              </a:rPr>
+              <a:t> </a:t>
+            </a:r>
+            <a:r>
+              <a:rPr lang="en-US" altLang="zh-CN" sz="1400" b="1" dirty="0" smtClean="0">
+                <a:solidFill>
+                  <a:srgbClr val="00B0F0"/>
+                </a:solidFill>
+              </a:rPr>
+              <a:t>   </a:t>
+            </a:r>
+            <a:r>
+              <a:rPr lang="zh-CN" altLang="en-US" sz="1400" b="1" dirty="0" smtClean="0">
+                <a:solidFill>
+                  <a:srgbClr val="00B0F0"/>
+                </a:solidFill>
+              </a:rPr>
+              <a:t>方案二：最佳优先抓取</a:t>
+            </a:r>
+            <a:endParaRPr lang="en-US" altLang="zh-CN" sz="1400" b="1" dirty="0" smtClean="0">
+              <a:solidFill>
+                <a:srgbClr val="00B0F0"/>
+              </a:solidFill>
+            </a:endParaRPr>
+          </a:p>
+          <a:p>
+            <a:endParaRPr lang="en-US" altLang="zh-CN" sz="1400" b="1" dirty="0" smtClean="0">
+              <a:solidFill>
+                <a:srgbClr val="00B0F0"/>
+              </a:solidFill>
+            </a:endParaRPr>
+          </a:p>
+          <a:p>
+            <a:endParaRPr lang="en-US" altLang="zh-CN" sz="1400" b="1" dirty="0">
+              <a:solidFill>
+                <a:srgbClr val="00B0F0"/>
+              </a:solidFill>
+            </a:endParaRPr>
+          </a:p>
+          <a:p>
+            <a:endParaRPr lang="en-US" altLang="zh-CN" sz="1400" b="1" dirty="0" smtClean="0">
+              <a:solidFill>
+                <a:srgbClr val="00B0F0"/>
+              </a:solidFill>
+            </a:endParaRPr>
+          </a:p>
+          <a:p>
+            <a:endParaRPr lang="en-US" altLang="zh-CN" sz="1400" b="1" dirty="0">
+              <a:solidFill>
+                <a:srgbClr val="00B0F0"/>
+              </a:solidFill>
+            </a:endParaRPr>
+          </a:p>
+          <a:p>
+            <a:endParaRPr lang="en-US" altLang="zh-CN" sz="1400" b="1" dirty="0" smtClean="0">
+              <a:solidFill>
+                <a:srgbClr val="00B0F0"/>
+              </a:solidFill>
+            </a:endParaRPr>
+          </a:p>
+          <a:p>
+            <a:endParaRPr lang="en-US" altLang="zh-CN" sz="1400" b="1" dirty="0">
+              <a:solidFill>
+                <a:srgbClr val="00B0F0"/>
+              </a:solidFill>
+            </a:endParaRPr>
+          </a:p>
+          <a:p>
+            <a:endParaRPr lang="en-US" altLang="zh-CN" sz="1400" b="1" dirty="0" smtClean="0">
+              <a:solidFill>
+                <a:srgbClr val="00B0F0"/>
+              </a:solidFill>
+            </a:endParaRPr>
+          </a:p>
+          <a:p>
+            <a:endParaRPr lang="en-US" altLang="zh-CN" sz="1400" b="1" dirty="0">
+              <a:solidFill>
+                <a:srgbClr val="00B0F0"/>
+              </a:solidFill>
+            </a:endParaRPr>
+          </a:p>
+          <a:p>
+            <a:endParaRPr lang="en-US" altLang="zh-CN" sz="1400" b="1" dirty="0">
+              <a:solidFill>
+                <a:srgbClr val="00B0F0"/>
+              </a:solidFill>
+            </a:endParaRPr>
+          </a:p>
+          <a:p>
+            <a:r>
+              <a:rPr lang="zh-CN" altLang="en-US" sz="1400" b="1" dirty="0" smtClean="0">
+                <a:solidFill>
+                  <a:srgbClr val="00B0F0"/>
+                </a:solidFill>
+              </a:rPr>
+              <a:t>领导提问：还能再快点嘛？</a:t>
+            </a:r>
+            <a:endParaRPr lang="en-US" altLang="zh-CN" sz="1400" b="1" dirty="0" smtClean="0">
+              <a:solidFill>
+                <a:srgbClr val="00B0F0"/>
+              </a:solidFill>
+            </a:endParaRPr>
+          </a:p>
+          <a:p>
+            <a:r>
+              <a:rPr lang="en-US" altLang="zh-CN" sz="1400" b="1" dirty="0">
+                <a:solidFill>
+                  <a:srgbClr val="00B0F0"/>
+                </a:solidFill>
+              </a:rPr>
+              <a:t> </a:t>
+            </a:r>
+            <a:r>
+              <a:rPr lang="en-US" altLang="zh-CN" sz="1400" b="1" dirty="0" smtClean="0">
+                <a:solidFill>
+                  <a:srgbClr val="00B0F0"/>
+                </a:solidFill>
+              </a:rPr>
+              <a:t>   </a:t>
+            </a:r>
+            <a:endParaRPr lang="zh-CN" altLang="en-US" sz="1400" b="1" dirty="0">
+              <a:solidFill>
+                <a:srgbClr val="00B0F0"/>
+              </a:solidFill>
+            </a:endParaRPr>
+          </a:p>
+        </p:txBody>
+      </p:sp>
+      <p:pic>
+        <p:nvPicPr>
+          <p:cNvPr id="2050" name="Picture 2"/>
+          <p:cNvPicPr>
+            <a:picLocks noChangeAspect="1" noChangeArrowheads="1"/>
+          </p:cNvPicPr>
+          <p:nvPr/>
+        </p:nvPicPr>
+        <p:blipFill>
+          <a:blip r:embed="rId2">
+            <a:extLst>
+              <a:ext uri="{28A0092B-C50C-407E-A947-70E740481C1C}">
+                <a14:useLocalDpi xmlns:a14="http://schemas.microsoft.com/office/drawing/2010/main" val="0"/>
+              </a:ext>
+            </a:extLst>
+          </a:blip>
+          <a:srcRect/>
+          <a:stretch>
+            <a:fillRect/>
+          </a:stretch>
+        </p:blipFill>
+        <p:spPr bwMode="auto">
+          <a:xfrm>
+            <a:off x="4351835" y="1124744"/>
+            <a:ext cx="4625717" cy="4574986"/>
+          </a:xfrm>
+          <a:prstGeom prst="rect">
+            <a:avLst/>
+          </a:prstGeom>
+          <a:noFill/>
+          <a:ln>
+            <a:noFill/>
+          </a:ln>
+          <a:effectLst/>
+          <a:extLst>
+            <a:ext uri="{909E8E84-426E-40DD-AFC4-6F175D3DCCD1}">
+              <a14:hiddenFill xmlns:a14="http://schemas.microsoft.com/office/drawing/2010/main">
+                <a:solidFill>
+                  <a:schemeClr val="accent1"/>
+                </a:solidFill>
+              </a14:hiddenFill>
+            </a:ext>
+            <a:ext uri="{91240B29-F687-4F45-9708-019B960494DF}">
+              <a14:hiddenLine xmlns:a14="http://schemas.microsoft.com/office/drawing/2010/main" w="9525">
+                <a:solidFill>
+                  <a:schemeClr val="tx1"/>
+                </a:solidFill>
+                <a:miter lim="800000"/>
+                <a:headEnd/>
+                <a:tailEnd/>
+              </a14:hiddenLine>
+            </a:ext>
+            <a:ext uri="{AF507438-7753-43E0-B8FC-AC1667EBCBE1}">
+              <a14:hiddenEffects xmlns:a14="http://schemas.microsoft.com/office/drawing/2010/main">
+                <a:effectLst>
+                  <a:outerShdw dist="35921" dir="2700000" algn="ctr" rotWithShape="0">
+                    <a:schemeClr val="bg2"/>
+                  </a:outerShdw>
+                </a:effectLst>
+              </a14:hiddenEffects>
+            </a:ext>
+          </a:extLst>
+        </p:spPr>
+      </p:pic>
+    </p:spTree>
+    <p:extLst>
+      <p:ext uri="{BB962C8B-B14F-4D97-AF65-F5344CB8AC3E}">
+        <p14:creationId xmlns:p14="http://schemas.microsoft.com/office/powerpoint/2010/main" val="3926240819"/>
+      </p:ext>
+    </p:extLst>
+  </p:cSld>
+  <p:clrMapOvr>
+    <a:masterClrMapping/>
+  </p:clrMapOvr>
+  <p:timing>
+    <p:tnLst>
+      <p:par>
+        <p:cTn id="1" dur="indefinite" restart="never" nodeType="tmRoot"/>
+      </p:par>
+    </p:tnLst>
+  </p:timing>
+</p:sld>
+</file>
+
+<file path=ppt/slides/slide17.xml><?xml version="1.0" encoding="utf-8"?>
+<p:sld xmlns:a="http://schemas.openxmlformats.org/drawingml/2006/main" xmlns:r="http://schemas.openxmlformats.org/officeDocument/2006/relationships" xmlns:p="http://schemas.openxmlformats.org/presentationml/2006/main">
+  <p:cSld>
+    <p:spTree>
+      <p:nvGrpSpPr>
+        <p:cNvPr id="1" name=""/>
+        <p:cNvGrpSpPr/>
+        <p:nvPr/>
+      </p:nvGrpSpPr>
+      <p:grpSpPr>
+        <a:xfrm>
+          <a:off x="0" y="0"/>
+          <a:ext cx="0" cy="0"/>
+          <a:chOff x="0" y="0"/>
+          <a:chExt cx="0" cy="0"/>
+        </a:xfrm>
+      </p:grpSpPr>
+      <p:grpSp>
+        <p:nvGrpSpPr>
+          <p:cNvPr id="2" name="组合 1"/>
+          <p:cNvGrpSpPr/>
+          <p:nvPr/>
+        </p:nvGrpSpPr>
+        <p:grpSpPr>
+          <a:xfrm>
+            <a:off x="446899" y="450850"/>
+            <a:ext cx="8142133" cy="1123313"/>
+            <a:chOff x="457457" y="450850"/>
+            <a:chExt cx="9758106" cy="1123313"/>
+          </a:xfrm>
+        </p:grpSpPr>
+        <p:sp>
+          <p:nvSpPr>
+            <p:cNvPr id="13" name="标题 1"/>
+            <p:cNvSpPr txBox="1">
+              <a:spLocks/>
+            </p:cNvSpPr>
+            <p:nvPr/>
+          </p:nvSpPr>
+          <p:spPr>
+            <a:xfrm>
+              <a:off x="495300" y="450850"/>
+              <a:ext cx="9720263" cy="569913"/>
+            </a:xfrm>
+            <a:prstGeom prst="rect">
+              <a:avLst/>
+            </a:prstGeom>
+            <a:ln w="6350">
+              <a:noFill/>
+            </a:ln>
+          </p:spPr>
+          <p:txBody>
+            <a:bodyPr lIns="102870" tIns="51435" rIns="102870" bIns="51435" anchor="ctr">
+              <a:normAutofit/>
+            </a:bodyPr>
+            <a:lstStyle>
+              <a:lvl1pPr algn="l" defTabSz="1028700" rtl="0" eaLnBrk="1" latinLnBrk="0" hangingPunct="1">
+                <a:spcBef>
+                  <a:spcPct val="0"/>
+                </a:spcBef>
+                <a:buNone/>
+                <a:defRPr sz="2700" b="1" kern="1200">
+                  <a:solidFill>
+                    <a:srgbClr val="00B0F0"/>
+                  </a:solidFill>
+                  <a:latin typeface="微软雅黑" pitchFamily="34" charset="-122"/>
+                  <a:ea typeface="微软雅黑" pitchFamily="34" charset="-122"/>
+                  <a:cs typeface="+mj-cs"/>
+                </a:defRPr>
+              </a:lvl1pPr>
+            </a:lstStyle>
+            <a:p>
+              <a:pPr fontAlgn="auto">
+                <a:spcAft>
+                  <a:spcPts val="0"/>
+                </a:spcAft>
+                <a:tabLst>
+                  <a:tab pos="5294313" algn="l"/>
+                </a:tabLst>
+                <a:defRPr/>
+              </a:pPr>
+              <a:r>
+                <a:rPr lang="en-US" altLang="zh-CN" dirty="0" smtClean="0"/>
+                <a:t>Fetch</a:t>
+              </a:r>
+              <a:r>
+                <a:rPr lang="zh-CN" altLang="en-US" dirty="0" smtClean="0"/>
+                <a:t>过程疑难点</a:t>
+              </a:r>
+              <a:endParaRPr lang="en-US" altLang="zh-CN" dirty="0">
+                <a:solidFill>
+                  <a:schemeClr val="tx1">
+                    <a:lumMod val="50000"/>
+                    <a:lumOff val="50000"/>
+                  </a:schemeClr>
+                </a:solidFill>
+              </a:endParaRPr>
+            </a:p>
+          </p:txBody>
+        </p:sp>
+        <p:sp>
+          <p:nvSpPr>
+            <p:cNvPr id="21" name="矩形 9"/>
+            <p:cNvSpPr>
+              <a:spLocks noChangeArrowheads="1"/>
+            </p:cNvSpPr>
+            <p:nvPr/>
+          </p:nvSpPr>
+          <p:spPr bwMode="auto">
+            <a:xfrm>
+              <a:off x="457457" y="1196752"/>
+              <a:ext cx="9359901" cy="377411"/>
+            </a:xfrm>
+            <a:prstGeom prst="rect">
+              <a:avLst/>
+            </a:prstGeom>
+            <a:noFill/>
+            <a:ln>
+              <a:noFill/>
+            </a:ln>
+            <a:extLst>
+              <a:ext uri="{909E8E84-426E-40DD-AFC4-6F175D3DCCD1}">
+                <a14:hiddenFill xmlns:a14="http://schemas.microsoft.com/office/drawing/2010/main">
+                  <a:solidFill>
+                    <a:srgbClr val="FFFFFF"/>
+                  </a:solidFill>
+                </a14:hiddenFill>
+              </a:ext>
+              <a:ext uri="{91240B29-F687-4F45-9708-019B960494DF}">
+                <a14:hiddenLine xmlns:a14="http://schemas.microsoft.com/office/drawing/2010/main" w="9525">
+                  <a:solidFill>
+                    <a:srgbClr val="000000"/>
+                  </a:solidFill>
+                  <a:miter lim="800000"/>
+                  <a:headEnd/>
+                  <a:tailEnd/>
+                </a14:hiddenLine>
+              </a:ext>
+            </a:extLst>
+          </p:spPr>
+          <p:txBody>
+            <a:bodyPr>
+              <a:spAutoFit/>
+            </a:bodyPr>
+            <a:lstStyle/>
+            <a:p>
+              <a:pPr>
+                <a:lnSpc>
+                  <a:spcPct val="150000"/>
+                </a:lnSpc>
+              </a:pPr>
+              <a:endParaRPr lang="zh-CN" altLang="en-US" sz="1400" dirty="0">
+                <a:latin typeface="微软雅黑" pitchFamily="34" charset="-122"/>
+                <a:ea typeface="微软雅黑" pitchFamily="34" charset="-122"/>
+              </a:endParaRPr>
+            </a:p>
+          </p:txBody>
+        </p:sp>
+      </p:grpSp>
+      <p:sp>
+        <p:nvSpPr>
+          <p:cNvPr id="5" name="TextBox 4"/>
+          <p:cNvSpPr txBox="1"/>
+          <p:nvPr/>
+        </p:nvSpPr>
+        <p:spPr>
+          <a:xfrm>
+            <a:off x="179512" y="1209138"/>
+            <a:ext cx="4981081" cy="5252712"/>
+          </a:xfrm>
+          <a:prstGeom prst="rect">
+            <a:avLst/>
+          </a:prstGeom>
+          <a:noFill/>
+        </p:spPr>
+        <p:txBody>
+          <a:bodyPr wrap="square" lIns="81272" tIns="40636" rIns="81272" bIns="40636" rtlCol="0">
+            <a:spAutoFit/>
+          </a:bodyPr>
+          <a:lstStyle>
+            <a:defPPr>
+              <a:defRPr lang="zh-CN"/>
+            </a:defPPr>
+            <a:lvl1pPr>
+              <a:lnSpc>
+                <a:spcPct val="150000"/>
+              </a:lnSpc>
+              <a:defRPr sz="1800">
+                <a:latin typeface="幼圆" pitchFamily="49" charset="-122"/>
+                <a:ea typeface="幼圆" pitchFamily="49" charset="-122"/>
+              </a:defRPr>
+            </a:lvl1pPr>
+          </a:lstStyle>
+          <a:p>
+            <a:r>
+              <a:rPr lang="zh-CN" altLang="en-US" sz="1400" b="1" dirty="0" smtClean="0">
+                <a:solidFill>
+                  <a:srgbClr val="00B0F0"/>
+                </a:solidFill>
+              </a:rPr>
+              <a:t>实际问题：同一个</a:t>
+            </a:r>
+            <a:r>
+              <a:rPr lang="en-US" altLang="zh-CN" sz="1400" b="1" dirty="0" smtClean="0">
+                <a:solidFill>
+                  <a:srgbClr val="00B0F0"/>
+                </a:solidFill>
+              </a:rPr>
+              <a:t>Host</a:t>
+            </a:r>
+            <a:r>
+              <a:rPr lang="zh-CN" altLang="en-US" sz="1400" b="1" dirty="0" smtClean="0">
+                <a:solidFill>
+                  <a:srgbClr val="00B0F0"/>
+                </a:solidFill>
+              </a:rPr>
+              <a:t>的采集设置</a:t>
+            </a:r>
+            <a:endParaRPr lang="en-US" altLang="zh-CN" sz="1400" b="1" dirty="0" smtClean="0">
+              <a:solidFill>
+                <a:srgbClr val="00B0F0"/>
+              </a:solidFill>
+            </a:endParaRPr>
+          </a:p>
+          <a:p>
+            <a:r>
+              <a:rPr lang="zh-CN" altLang="en-US" sz="1400" b="1" dirty="0" smtClean="0">
+                <a:solidFill>
+                  <a:srgbClr val="00B0F0"/>
+                </a:solidFill>
+              </a:rPr>
+              <a:t>主要参数：访问延时、采集频率、并发数等。</a:t>
+            </a:r>
+            <a:endParaRPr lang="en-US" altLang="zh-CN" sz="1400" b="1" dirty="0" smtClean="0">
+              <a:solidFill>
+                <a:srgbClr val="00B0F0"/>
+              </a:solidFill>
+            </a:endParaRPr>
+          </a:p>
+          <a:p>
+            <a:r>
+              <a:rPr lang="zh-CN" altLang="en-US" sz="1400" b="1" dirty="0" smtClean="0">
+                <a:solidFill>
+                  <a:srgbClr val="00B0F0"/>
+                </a:solidFill>
+              </a:rPr>
+              <a:t>参数解释：</a:t>
+            </a:r>
+            <a:endParaRPr lang="en-US" altLang="zh-CN" sz="1400" b="1" dirty="0" smtClean="0">
+              <a:solidFill>
+                <a:srgbClr val="00B0F0"/>
+              </a:solidFill>
+            </a:endParaRPr>
+          </a:p>
+          <a:p>
+            <a:r>
+              <a:rPr lang="en-US" altLang="zh-CN" sz="1400" b="1" dirty="0">
+                <a:solidFill>
+                  <a:srgbClr val="00B0F0"/>
+                </a:solidFill>
+              </a:rPr>
+              <a:t> </a:t>
+            </a:r>
+            <a:r>
+              <a:rPr lang="en-US" altLang="zh-CN" sz="1400" b="1" dirty="0" smtClean="0">
+                <a:solidFill>
+                  <a:srgbClr val="00B0F0"/>
+                </a:solidFill>
+              </a:rPr>
+              <a:t>   </a:t>
+            </a:r>
+            <a:r>
+              <a:rPr lang="zh-CN" altLang="en-US" sz="1400" b="1" dirty="0" smtClean="0">
+                <a:solidFill>
+                  <a:srgbClr val="00B0F0"/>
+                </a:solidFill>
+              </a:rPr>
+              <a:t>访问</a:t>
+            </a:r>
+            <a:r>
+              <a:rPr lang="zh-CN" altLang="en-US" sz="1400" b="1" dirty="0">
+                <a:solidFill>
+                  <a:srgbClr val="00B0F0"/>
+                </a:solidFill>
+              </a:rPr>
+              <a:t>延时</a:t>
+            </a:r>
+            <a:r>
+              <a:rPr lang="en-US" altLang="zh-CN" sz="1400" b="1" dirty="0" smtClean="0">
+                <a:solidFill>
+                  <a:srgbClr val="00B0F0"/>
+                </a:solidFill>
+              </a:rPr>
+              <a:t>:</a:t>
+            </a:r>
+            <a:r>
+              <a:rPr lang="zh-CN" altLang="en-US" sz="1400" b="1" dirty="0" smtClean="0">
+                <a:solidFill>
+                  <a:srgbClr val="00B0F0"/>
+                </a:solidFill>
+              </a:rPr>
+              <a:t>减少对于目标网站的访问压力</a:t>
+            </a:r>
+            <a:endParaRPr lang="en-US" altLang="zh-CN" sz="1400" b="1" dirty="0" smtClean="0">
+              <a:solidFill>
+                <a:srgbClr val="00B0F0"/>
+              </a:solidFill>
+            </a:endParaRPr>
+          </a:p>
+          <a:p>
+            <a:r>
+              <a:rPr lang="en-US" altLang="zh-CN" sz="1400" b="1" dirty="0">
+                <a:solidFill>
+                  <a:srgbClr val="00B0F0"/>
+                </a:solidFill>
+              </a:rPr>
+              <a:t> </a:t>
+            </a:r>
+            <a:r>
+              <a:rPr lang="en-US" altLang="zh-CN" sz="1400" b="1" dirty="0" smtClean="0">
+                <a:solidFill>
+                  <a:srgbClr val="00B0F0"/>
+                </a:solidFill>
+              </a:rPr>
+              <a:t>   </a:t>
+            </a:r>
+            <a:r>
+              <a:rPr lang="zh-CN" altLang="en-US" sz="1400" b="1" dirty="0" smtClean="0">
+                <a:solidFill>
+                  <a:srgbClr val="00B0F0"/>
+                </a:solidFill>
+              </a:rPr>
+              <a:t>采集频率：多长时间检查一次更新</a:t>
+            </a:r>
+            <a:endParaRPr lang="en-US" altLang="zh-CN" sz="1400" b="1" dirty="0" smtClean="0">
+              <a:solidFill>
+                <a:srgbClr val="00B0F0"/>
+              </a:solidFill>
+            </a:endParaRPr>
+          </a:p>
+          <a:p>
+            <a:r>
+              <a:rPr lang="en-US" altLang="zh-CN" sz="1400" b="1" dirty="0">
+                <a:solidFill>
+                  <a:srgbClr val="00B0F0"/>
+                </a:solidFill>
+              </a:rPr>
+              <a:t> </a:t>
+            </a:r>
+            <a:r>
+              <a:rPr lang="en-US" altLang="zh-CN" sz="1400" b="1" dirty="0" smtClean="0">
+                <a:solidFill>
+                  <a:srgbClr val="00B0F0"/>
+                </a:solidFill>
+              </a:rPr>
+              <a:t>   </a:t>
+            </a:r>
+            <a:r>
+              <a:rPr lang="zh-CN" altLang="en-US" sz="1400" b="1" dirty="0" smtClean="0">
+                <a:solidFill>
+                  <a:srgbClr val="00B0F0"/>
+                </a:solidFill>
+              </a:rPr>
+              <a:t>并发数：线程数量控制</a:t>
+            </a:r>
+            <a:endParaRPr lang="en-US" altLang="zh-CN" sz="1400" b="1" dirty="0" smtClean="0">
+              <a:solidFill>
+                <a:srgbClr val="00B0F0"/>
+              </a:solidFill>
+            </a:endParaRPr>
+          </a:p>
+          <a:p>
+            <a:r>
+              <a:rPr lang="en-US" altLang="zh-CN" sz="1400" b="1" dirty="0">
+                <a:solidFill>
+                  <a:srgbClr val="00B0F0"/>
+                </a:solidFill>
+              </a:rPr>
+              <a:t> </a:t>
+            </a:r>
+            <a:r>
+              <a:rPr lang="en-US" altLang="zh-CN" sz="1400" b="1" dirty="0" smtClean="0">
+                <a:solidFill>
+                  <a:srgbClr val="00B0F0"/>
+                </a:solidFill>
+              </a:rPr>
+              <a:t>   </a:t>
+            </a:r>
+          </a:p>
+          <a:p>
+            <a:endParaRPr lang="en-US" altLang="zh-CN" sz="1400" b="1" dirty="0">
+              <a:solidFill>
+                <a:srgbClr val="00B0F0"/>
+              </a:solidFill>
+            </a:endParaRPr>
+          </a:p>
+          <a:p>
+            <a:endParaRPr lang="en-US" altLang="zh-CN" sz="1400" b="1" dirty="0" smtClean="0">
+              <a:solidFill>
+                <a:srgbClr val="00B0F0"/>
+              </a:solidFill>
+            </a:endParaRPr>
+          </a:p>
+          <a:p>
+            <a:endParaRPr lang="en-US" altLang="zh-CN" sz="1400" b="1" dirty="0">
+              <a:solidFill>
+                <a:srgbClr val="00B0F0"/>
+              </a:solidFill>
+            </a:endParaRPr>
+          </a:p>
+          <a:p>
+            <a:endParaRPr lang="en-US" altLang="zh-CN" sz="1400" b="1" dirty="0" smtClean="0">
+              <a:solidFill>
+                <a:srgbClr val="00B0F0"/>
+              </a:solidFill>
+            </a:endParaRPr>
+          </a:p>
+          <a:p>
+            <a:endParaRPr lang="en-US" altLang="zh-CN" sz="1400" b="1" dirty="0">
+              <a:solidFill>
+                <a:srgbClr val="00B0F0"/>
+              </a:solidFill>
+            </a:endParaRPr>
+          </a:p>
+          <a:p>
+            <a:endParaRPr lang="en-US" altLang="zh-CN" sz="1400" b="1" dirty="0" smtClean="0">
+              <a:solidFill>
+                <a:srgbClr val="00B0F0"/>
+              </a:solidFill>
+            </a:endParaRPr>
+          </a:p>
+          <a:p>
+            <a:endParaRPr lang="en-US" altLang="zh-CN" sz="1400" b="1" dirty="0">
+              <a:solidFill>
+                <a:srgbClr val="00B0F0"/>
+              </a:solidFill>
+            </a:endParaRPr>
+          </a:p>
+          <a:p>
+            <a:endParaRPr lang="en-US" altLang="zh-CN" sz="1400" b="1" dirty="0">
+              <a:solidFill>
+                <a:srgbClr val="00B0F0"/>
+              </a:solidFill>
+            </a:endParaRPr>
+          </a:p>
+          <a:p>
+            <a:r>
+              <a:rPr lang="en-US" altLang="zh-CN" sz="1400" b="1" dirty="0" smtClean="0">
+                <a:solidFill>
+                  <a:srgbClr val="00B0F0"/>
+                </a:solidFill>
+              </a:rPr>
+              <a:t>    </a:t>
+            </a:r>
+            <a:endParaRPr lang="zh-CN" altLang="en-US" sz="1400" b="1" dirty="0">
+              <a:solidFill>
+                <a:srgbClr val="00B0F0"/>
+              </a:solidFill>
+            </a:endParaRPr>
+          </a:p>
+        </p:txBody>
+      </p:sp>
+    </p:spTree>
+    <p:extLst>
+      <p:ext uri="{BB962C8B-B14F-4D97-AF65-F5344CB8AC3E}">
+        <p14:creationId xmlns:p14="http://schemas.microsoft.com/office/powerpoint/2010/main" val="512060172"/>
+      </p:ext>
+    </p:extLst>
+  </p:cSld>
+  <p:clrMapOvr>
+    <a:masterClrMapping/>
+  </p:clrMapOvr>
+  <p:timing>
+    <p:tnLst>
+      <p:par>
+        <p:cTn id="1" dur="indefinite" restart="never" nodeType="tmRoot"/>
+      </p:par>
+    </p:tnLst>
+  </p:timing>
+</p:sld>
+</file>
+
+<file path=ppt/slides/slide18.xml><?xml version="1.0" encoding="utf-8"?>
+<p:sld xmlns:a="http://schemas.openxmlformats.org/drawingml/2006/main" xmlns:r="http://schemas.openxmlformats.org/officeDocument/2006/relationships" xmlns:p="http://schemas.openxmlformats.org/presentationml/2006/main">
+  <p:cSld>
+    <p:spTree>
+      <p:nvGrpSpPr>
+        <p:cNvPr id="1" name=""/>
+        <p:cNvGrpSpPr/>
+        <p:nvPr/>
+      </p:nvGrpSpPr>
+      <p:grpSpPr>
+        <a:xfrm>
+          <a:off x="0" y="0"/>
+          <a:ext cx="0" cy="0"/>
+          <a:chOff x="0" y="0"/>
+          <a:chExt cx="0" cy="0"/>
+        </a:xfrm>
+      </p:grpSpPr>
+      <p:grpSp>
+        <p:nvGrpSpPr>
+          <p:cNvPr id="2" name="组合 1"/>
+          <p:cNvGrpSpPr/>
+          <p:nvPr/>
+        </p:nvGrpSpPr>
+        <p:grpSpPr>
+          <a:xfrm>
+            <a:off x="446899" y="450850"/>
+            <a:ext cx="8142133" cy="1123313"/>
+            <a:chOff x="457457" y="450850"/>
+            <a:chExt cx="9758106" cy="1123313"/>
+          </a:xfrm>
+        </p:grpSpPr>
+        <p:sp>
+          <p:nvSpPr>
+            <p:cNvPr id="13" name="标题 1"/>
+            <p:cNvSpPr txBox="1">
+              <a:spLocks/>
+            </p:cNvSpPr>
+            <p:nvPr/>
+          </p:nvSpPr>
+          <p:spPr>
+            <a:xfrm>
+              <a:off x="495300" y="450850"/>
+              <a:ext cx="9720263" cy="569913"/>
+            </a:xfrm>
+            <a:prstGeom prst="rect">
+              <a:avLst/>
+            </a:prstGeom>
+            <a:ln w="6350">
+              <a:noFill/>
+            </a:ln>
+          </p:spPr>
+          <p:txBody>
+            <a:bodyPr lIns="102870" tIns="51435" rIns="102870" bIns="51435" anchor="ctr">
+              <a:normAutofit/>
+            </a:bodyPr>
+            <a:lstStyle>
+              <a:lvl1pPr algn="l" defTabSz="1028700" rtl="0" eaLnBrk="1" latinLnBrk="0" hangingPunct="1">
+                <a:spcBef>
+                  <a:spcPct val="0"/>
+                </a:spcBef>
+                <a:buNone/>
+                <a:defRPr sz="2700" b="1" kern="1200">
+                  <a:solidFill>
+                    <a:srgbClr val="00B0F0"/>
+                  </a:solidFill>
+                  <a:latin typeface="微软雅黑" pitchFamily="34" charset="-122"/>
+                  <a:ea typeface="微软雅黑" pitchFamily="34" charset="-122"/>
+                  <a:cs typeface="+mj-cs"/>
+                </a:defRPr>
+              </a:lvl1pPr>
+            </a:lstStyle>
+            <a:p>
+              <a:pPr fontAlgn="auto">
+                <a:spcAft>
+                  <a:spcPts val="0"/>
+                </a:spcAft>
+                <a:tabLst>
+                  <a:tab pos="5294313" algn="l"/>
+                </a:tabLst>
+                <a:defRPr/>
+              </a:pPr>
+              <a:r>
+                <a:rPr lang="en-US" altLang="zh-CN" dirty="0" smtClean="0"/>
+                <a:t>Fetch</a:t>
+              </a:r>
+              <a:r>
+                <a:rPr lang="zh-CN" altLang="en-US" dirty="0" smtClean="0"/>
+                <a:t>过程疑难点</a:t>
+              </a:r>
+              <a:endParaRPr lang="en-US" altLang="zh-CN" dirty="0">
+                <a:solidFill>
+                  <a:schemeClr val="tx1">
+                    <a:lumMod val="50000"/>
+                    <a:lumOff val="50000"/>
+                  </a:schemeClr>
+                </a:solidFill>
+              </a:endParaRPr>
+            </a:p>
+          </p:txBody>
+        </p:sp>
+        <p:sp>
+          <p:nvSpPr>
+            <p:cNvPr id="21" name="矩形 9"/>
+            <p:cNvSpPr>
+              <a:spLocks noChangeArrowheads="1"/>
+            </p:cNvSpPr>
+            <p:nvPr/>
+          </p:nvSpPr>
+          <p:spPr bwMode="auto">
+            <a:xfrm>
+              <a:off x="457457" y="1196752"/>
+              <a:ext cx="9359901" cy="377411"/>
+            </a:xfrm>
+            <a:prstGeom prst="rect">
+              <a:avLst/>
+            </a:prstGeom>
+            <a:noFill/>
+            <a:ln>
+              <a:noFill/>
+            </a:ln>
+            <a:extLst>
+              <a:ext uri="{909E8E84-426E-40DD-AFC4-6F175D3DCCD1}">
+                <a14:hiddenFill xmlns:a14="http://schemas.microsoft.com/office/drawing/2010/main">
+                  <a:solidFill>
+                    <a:srgbClr val="FFFFFF"/>
+                  </a:solidFill>
+                </a14:hiddenFill>
+              </a:ext>
+              <a:ext uri="{91240B29-F687-4F45-9708-019B960494DF}">
+                <a14:hiddenLine xmlns:a14="http://schemas.microsoft.com/office/drawing/2010/main" w="9525">
+                  <a:solidFill>
+                    <a:srgbClr val="000000"/>
+                  </a:solidFill>
+                  <a:miter lim="800000"/>
+                  <a:headEnd/>
+                  <a:tailEnd/>
+                </a14:hiddenLine>
+              </a:ext>
+            </a:extLst>
+          </p:spPr>
+          <p:txBody>
+            <a:bodyPr>
+              <a:spAutoFit/>
+            </a:bodyPr>
+            <a:lstStyle/>
+            <a:p>
+              <a:pPr>
+                <a:lnSpc>
+                  <a:spcPct val="150000"/>
+                </a:lnSpc>
+              </a:pPr>
+              <a:endParaRPr lang="zh-CN" altLang="en-US" sz="1400" dirty="0">
+                <a:latin typeface="微软雅黑" pitchFamily="34" charset="-122"/>
+                <a:ea typeface="微软雅黑" pitchFamily="34" charset="-122"/>
+              </a:endParaRPr>
+            </a:p>
+          </p:txBody>
+        </p:sp>
+      </p:grpSp>
+      <p:sp>
+        <p:nvSpPr>
+          <p:cNvPr id="5" name="TextBox 4"/>
+          <p:cNvSpPr txBox="1"/>
+          <p:nvPr/>
+        </p:nvSpPr>
+        <p:spPr>
+          <a:xfrm>
+            <a:off x="179512" y="1209138"/>
+            <a:ext cx="4981081" cy="4929547"/>
+          </a:xfrm>
+          <a:prstGeom prst="rect">
+            <a:avLst/>
+          </a:prstGeom>
+          <a:noFill/>
+        </p:spPr>
+        <p:txBody>
+          <a:bodyPr wrap="square" lIns="81272" tIns="40636" rIns="81272" bIns="40636" rtlCol="0">
+            <a:spAutoFit/>
+          </a:bodyPr>
+          <a:lstStyle>
+            <a:defPPr>
+              <a:defRPr lang="zh-CN"/>
+            </a:defPPr>
+            <a:lvl1pPr>
+              <a:lnSpc>
+                <a:spcPct val="150000"/>
+              </a:lnSpc>
+              <a:defRPr sz="1800">
+                <a:latin typeface="幼圆" pitchFamily="49" charset="-122"/>
+                <a:ea typeface="幼圆" pitchFamily="49" charset="-122"/>
+              </a:defRPr>
+            </a:lvl1pPr>
+          </a:lstStyle>
+          <a:p>
+            <a:r>
+              <a:rPr lang="zh-CN" altLang="en-US" sz="1400" b="1" dirty="0" smtClean="0">
+                <a:solidFill>
+                  <a:srgbClr val="00B0F0"/>
+                </a:solidFill>
+              </a:rPr>
+              <a:t>实际问题：相关超时设置</a:t>
+            </a:r>
+            <a:endParaRPr lang="en-US" altLang="zh-CN" sz="1400" b="1" dirty="0" smtClean="0">
+              <a:solidFill>
+                <a:srgbClr val="00B0F0"/>
+              </a:solidFill>
+            </a:endParaRPr>
+          </a:p>
+          <a:p>
+            <a:r>
+              <a:rPr lang="zh-CN" altLang="en-US" sz="1400" b="1" dirty="0" smtClean="0">
+                <a:solidFill>
+                  <a:srgbClr val="00B0F0"/>
+                </a:solidFill>
+              </a:rPr>
+              <a:t>主要参数：</a:t>
+            </a:r>
+            <a:r>
+              <a:rPr lang="en-US" altLang="zh-CN" sz="1400" b="1" dirty="0" err="1">
+                <a:solidFill>
+                  <a:srgbClr val="00B0F0"/>
+                </a:solidFill>
+              </a:rPr>
+              <a:t>ConnectionTimeout</a:t>
+            </a:r>
+            <a:r>
+              <a:rPr lang="zh-CN" altLang="en-US" sz="1400" b="1" dirty="0" smtClean="0">
+                <a:solidFill>
+                  <a:srgbClr val="00B0F0"/>
+                </a:solidFill>
+              </a:rPr>
+              <a:t>、</a:t>
+            </a:r>
+            <a:r>
+              <a:rPr lang="en-US" altLang="zh-CN" sz="1400" b="1" dirty="0" err="1" smtClean="0">
+                <a:solidFill>
+                  <a:srgbClr val="00B0F0"/>
+                </a:solidFill>
+              </a:rPr>
+              <a:t>SocketTimeout</a:t>
+            </a:r>
+            <a:endParaRPr lang="en-US" altLang="zh-CN" sz="1400" b="1" dirty="0" smtClean="0">
+              <a:solidFill>
+                <a:srgbClr val="00B0F0"/>
+              </a:solidFill>
+            </a:endParaRPr>
+          </a:p>
+          <a:p>
+            <a:r>
+              <a:rPr lang="zh-CN" altLang="en-US" sz="1400" b="1" dirty="0" smtClean="0">
+                <a:solidFill>
+                  <a:srgbClr val="00B0F0"/>
+                </a:solidFill>
+              </a:rPr>
+              <a:t>参数解释：</a:t>
+            </a:r>
+            <a:endParaRPr lang="en-US" altLang="zh-CN" sz="1400" b="1" dirty="0" smtClean="0">
+              <a:solidFill>
+                <a:srgbClr val="00B0F0"/>
+              </a:solidFill>
+            </a:endParaRPr>
+          </a:p>
+          <a:p>
+            <a:r>
+              <a:rPr lang="en-US" altLang="zh-CN" sz="1400" b="1" dirty="0">
+                <a:solidFill>
+                  <a:srgbClr val="00B0F0"/>
+                </a:solidFill>
+              </a:rPr>
+              <a:t> </a:t>
+            </a:r>
+            <a:r>
+              <a:rPr lang="en-US" altLang="zh-CN" sz="1400" b="1" dirty="0" smtClean="0">
+                <a:solidFill>
+                  <a:srgbClr val="00B0F0"/>
+                </a:solidFill>
+              </a:rPr>
+              <a:t>   </a:t>
+            </a:r>
+            <a:r>
+              <a:rPr lang="en-US" altLang="zh-CN" sz="1400" b="1" dirty="0" err="1" smtClean="0">
+                <a:solidFill>
+                  <a:srgbClr val="00B0F0"/>
+                </a:solidFill>
+              </a:rPr>
+              <a:t>ConnectionTimeout</a:t>
+            </a:r>
+            <a:r>
+              <a:rPr lang="en-US" altLang="zh-CN" sz="1400" b="1" dirty="0" smtClean="0">
+                <a:solidFill>
+                  <a:srgbClr val="00B0F0"/>
+                </a:solidFill>
+              </a:rPr>
+              <a:t> :</a:t>
+            </a:r>
+            <a:r>
+              <a:rPr lang="zh-CN" altLang="en-US" sz="1400" b="1" dirty="0" smtClean="0">
+                <a:solidFill>
+                  <a:srgbClr val="00B0F0"/>
+                </a:solidFill>
+              </a:rPr>
+              <a:t>连接超时</a:t>
+            </a:r>
+            <a:endParaRPr lang="en-US" altLang="zh-CN" sz="1400" b="1" dirty="0" smtClean="0">
+              <a:solidFill>
+                <a:srgbClr val="00B0F0"/>
+              </a:solidFill>
+            </a:endParaRPr>
+          </a:p>
+          <a:p>
+            <a:r>
+              <a:rPr lang="en-US" altLang="zh-CN" sz="1400" b="1" dirty="0" smtClean="0">
+                <a:solidFill>
+                  <a:srgbClr val="00B0F0"/>
+                </a:solidFill>
+              </a:rPr>
+              <a:t>    </a:t>
+            </a:r>
+            <a:r>
+              <a:rPr lang="en-US" altLang="zh-CN" sz="1400" b="1" dirty="0" err="1" smtClean="0">
+                <a:solidFill>
+                  <a:srgbClr val="00B0F0"/>
+                </a:solidFill>
+              </a:rPr>
+              <a:t>SocketTimeout</a:t>
+            </a:r>
+            <a:r>
+              <a:rPr lang="en-US" altLang="zh-CN" sz="1400" b="1" dirty="0" smtClean="0">
+                <a:solidFill>
+                  <a:srgbClr val="00B0F0"/>
+                </a:solidFill>
+              </a:rPr>
+              <a:t> </a:t>
+            </a:r>
+            <a:r>
+              <a:rPr lang="zh-CN" altLang="en-US" sz="1400" b="1" dirty="0" smtClean="0">
+                <a:solidFill>
+                  <a:srgbClr val="00B0F0"/>
+                </a:solidFill>
+              </a:rPr>
+              <a:t>：读超时</a:t>
+            </a:r>
+            <a:endParaRPr lang="en-US" altLang="zh-CN" sz="1400" b="1" dirty="0" smtClean="0">
+              <a:solidFill>
+                <a:srgbClr val="00B0F0"/>
+              </a:solidFill>
+            </a:endParaRPr>
+          </a:p>
+          <a:p>
+            <a:r>
+              <a:rPr lang="en-US" altLang="zh-CN" sz="1400" b="1" dirty="0" smtClean="0">
+                <a:solidFill>
+                  <a:srgbClr val="00B0F0"/>
+                </a:solidFill>
+              </a:rPr>
+              <a:t>        </a:t>
+            </a:r>
+          </a:p>
+          <a:p>
+            <a:endParaRPr lang="en-US" altLang="zh-CN" sz="1400" b="1" dirty="0">
+              <a:solidFill>
+                <a:srgbClr val="00B0F0"/>
+              </a:solidFill>
+            </a:endParaRPr>
+          </a:p>
+          <a:p>
+            <a:endParaRPr lang="en-US" altLang="zh-CN" sz="1400" b="1" dirty="0" smtClean="0">
+              <a:solidFill>
+                <a:srgbClr val="00B0F0"/>
+              </a:solidFill>
+            </a:endParaRPr>
+          </a:p>
+          <a:p>
+            <a:endParaRPr lang="en-US" altLang="zh-CN" sz="1400" b="1" dirty="0">
+              <a:solidFill>
+                <a:srgbClr val="00B0F0"/>
+              </a:solidFill>
+            </a:endParaRPr>
+          </a:p>
+          <a:p>
+            <a:endParaRPr lang="en-US" altLang="zh-CN" sz="1400" b="1" dirty="0" smtClean="0">
+              <a:solidFill>
+                <a:srgbClr val="00B0F0"/>
+              </a:solidFill>
+            </a:endParaRPr>
+          </a:p>
+          <a:p>
+            <a:endParaRPr lang="en-US" altLang="zh-CN" sz="1400" b="1" dirty="0">
+              <a:solidFill>
+                <a:srgbClr val="00B0F0"/>
+              </a:solidFill>
+            </a:endParaRPr>
+          </a:p>
+          <a:p>
+            <a:endParaRPr lang="en-US" altLang="zh-CN" sz="1400" b="1" dirty="0" smtClean="0">
+              <a:solidFill>
+                <a:srgbClr val="00B0F0"/>
+              </a:solidFill>
+            </a:endParaRPr>
+          </a:p>
+          <a:p>
+            <a:endParaRPr lang="en-US" altLang="zh-CN" sz="1400" b="1" dirty="0">
+              <a:solidFill>
+                <a:srgbClr val="00B0F0"/>
+              </a:solidFill>
+            </a:endParaRPr>
+          </a:p>
+          <a:p>
+            <a:endParaRPr lang="en-US" altLang="zh-CN" sz="1400" b="1" dirty="0">
+              <a:solidFill>
+                <a:srgbClr val="00B0F0"/>
+              </a:solidFill>
+            </a:endParaRPr>
+          </a:p>
+          <a:p>
+            <a:r>
+              <a:rPr lang="en-US" altLang="zh-CN" sz="1400" b="1" dirty="0" smtClean="0">
+                <a:solidFill>
+                  <a:srgbClr val="00B0F0"/>
+                </a:solidFill>
+              </a:rPr>
+              <a:t>    </a:t>
+            </a:r>
+            <a:endParaRPr lang="zh-CN" altLang="en-US" sz="1400" b="1" dirty="0">
+              <a:solidFill>
+                <a:srgbClr val="00B0F0"/>
+              </a:solidFill>
+            </a:endParaRPr>
+          </a:p>
+        </p:txBody>
+      </p:sp>
+    </p:spTree>
+    <p:extLst>
+      <p:ext uri="{BB962C8B-B14F-4D97-AF65-F5344CB8AC3E}">
+        <p14:creationId xmlns:p14="http://schemas.microsoft.com/office/powerpoint/2010/main" val="1401251482"/>
+      </p:ext>
+    </p:extLst>
+  </p:cSld>
+  <p:clrMapOvr>
+    <a:masterClrMapping/>
+  </p:clrMapOvr>
+  <p:timing>
+    <p:tnLst>
+      <p:par>
+        <p:cTn id="1" dur="indefinite" restart="never" nodeType="tmRoot"/>
+      </p:par>
+    </p:tnLst>
+  </p:timing>
+</p:sld>
+</file>
+
+<file path=ppt/slides/slide19.xml><?xml version="1.0" encoding="utf-8"?>
+<p:sld xmlns:a="http://schemas.openxmlformats.org/drawingml/2006/main" xmlns:r="http://schemas.openxmlformats.org/officeDocument/2006/relationships" xmlns:p="http://schemas.openxmlformats.org/presentationml/2006/main">
+  <p:cSld>
+    <p:spTree>
+      <p:nvGrpSpPr>
+        <p:cNvPr id="1" name=""/>
+        <p:cNvGrpSpPr/>
+        <p:nvPr/>
+      </p:nvGrpSpPr>
+      <p:grpSpPr>
+        <a:xfrm>
+          <a:off x="0" y="0"/>
+          <a:ext cx="0" cy="0"/>
+          <a:chOff x="0" y="0"/>
+          <a:chExt cx="0" cy="0"/>
+        </a:xfrm>
+      </p:grpSpPr>
+      <p:grpSp>
+        <p:nvGrpSpPr>
+          <p:cNvPr id="2" name="组合 1"/>
+          <p:cNvGrpSpPr/>
+          <p:nvPr/>
+        </p:nvGrpSpPr>
+        <p:grpSpPr>
+          <a:xfrm>
+            <a:off x="446899" y="450850"/>
+            <a:ext cx="8142133" cy="1123313"/>
+            <a:chOff x="457457" y="450850"/>
+            <a:chExt cx="9758106" cy="1123313"/>
+          </a:xfrm>
+        </p:grpSpPr>
+        <p:sp>
+          <p:nvSpPr>
+            <p:cNvPr id="13" name="标题 1"/>
+            <p:cNvSpPr txBox="1">
+              <a:spLocks/>
+            </p:cNvSpPr>
+            <p:nvPr/>
+          </p:nvSpPr>
+          <p:spPr>
+            <a:xfrm>
+              <a:off x="495300" y="450850"/>
+              <a:ext cx="9720263" cy="569913"/>
+            </a:xfrm>
+            <a:prstGeom prst="rect">
+              <a:avLst/>
+            </a:prstGeom>
+            <a:ln w="6350">
+              <a:noFill/>
+            </a:ln>
+          </p:spPr>
+          <p:txBody>
+            <a:bodyPr lIns="102870" tIns="51435" rIns="102870" bIns="51435" anchor="ctr">
+              <a:normAutofit/>
+            </a:bodyPr>
+            <a:lstStyle>
+              <a:lvl1pPr algn="l" defTabSz="1028700" rtl="0" eaLnBrk="1" latinLnBrk="0" hangingPunct="1">
+                <a:spcBef>
+                  <a:spcPct val="0"/>
+                </a:spcBef>
+                <a:buNone/>
+                <a:defRPr sz="2700" b="1" kern="1200">
+                  <a:solidFill>
+                    <a:srgbClr val="00B0F0"/>
+                  </a:solidFill>
+                  <a:latin typeface="微软雅黑" pitchFamily="34" charset="-122"/>
+                  <a:ea typeface="微软雅黑" pitchFamily="34" charset="-122"/>
+                  <a:cs typeface="+mj-cs"/>
+                </a:defRPr>
+              </a:lvl1pPr>
+            </a:lstStyle>
+            <a:p>
+              <a:pPr fontAlgn="auto">
+                <a:spcAft>
+                  <a:spcPts val="0"/>
+                </a:spcAft>
+                <a:tabLst>
+                  <a:tab pos="5294313" algn="l"/>
+                </a:tabLst>
+                <a:defRPr/>
+              </a:pPr>
+              <a:r>
+                <a:rPr lang="en-US" altLang="zh-CN" dirty="0" smtClean="0"/>
+                <a:t>Fetch</a:t>
+              </a:r>
+              <a:r>
+                <a:rPr lang="zh-CN" altLang="en-US" dirty="0" smtClean="0"/>
+                <a:t>过程疑难点</a:t>
+              </a:r>
+              <a:endParaRPr lang="en-US" altLang="zh-CN" dirty="0">
+                <a:solidFill>
+                  <a:schemeClr val="tx1">
+                    <a:lumMod val="50000"/>
+                    <a:lumOff val="50000"/>
+                  </a:schemeClr>
+                </a:solidFill>
+              </a:endParaRPr>
+            </a:p>
+          </p:txBody>
+        </p:sp>
+        <p:sp>
+          <p:nvSpPr>
+            <p:cNvPr id="21" name="矩形 9"/>
+            <p:cNvSpPr>
+              <a:spLocks noChangeArrowheads="1"/>
+            </p:cNvSpPr>
+            <p:nvPr/>
+          </p:nvSpPr>
+          <p:spPr bwMode="auto">
+            <a:xfrm>
+              <a:off x="457457" y="1196752"/>
+              <a:ext cx="9359901" cy="377411"/>
+            </a:xfrm>
+            <a:prstGeom prst="rect">
+              <a:avLst/>
+            </a:prstGeom>
+            <a:noFill/>
+            <a:ln>
+              <a:noFill/>
+            </a:ln>
+            <a:extLst>
+              <a:ext uri="{909E8E84-426E-40DD-AFC4-6F175D3DCCD1}">
+                <a14:hiddenFill xmlns:a14="http://schemas.microsoft.com/office/drawing/2010/main">
+                  <a:solidFill>
+                    <a:srgbClr val="FFFFFF"/>
+                  </a:solidFill>
+                </a14:hiddenFill>
+              </a:ext>
+              <a:ext uri="{91240B29-F687-4F45-9708-019B960494DF}">
+                <a14:hiddenLine xmlns:a14="http://schemas.microsoft.com/office/drawing/2010/main" w="9525">
+                  <a:solidFill>
+                    <a:srgbClr val="000000"/>
+                  </a:solidFill>
+                  <a:miter lim="800000"/>
+                  <a:headEnd/>
+                  <a:tailEnd/>
+                </a14:hiddenLine>
+              </a:ext>
+            </a:extLst>
+          </p:spPr>
+          <p:txBody>
+            <a:bodyPr>
+              <a:spAutoFit/>
+            </a:bodyPr>
+            <a:lstStyle/>
+            <a:p>
+              <a:pPr>
+                <a:lnSpc>
+                  <a:spcPct val="150000"/>
+                </a:lnSpc>
+              </a:pPr>
+              <a:endParaRPr lang="zh-CN" altLang="en-US" sz="1400" dirty="0">
+                <a:latin typeface="微软雅黑" pitchFamily="34" charset="-122"/>
+                <a:ea typeface="微软雅黑" pitchFamily="34" charset="-122"/>
+              </a:endParaRPr>
+            </a:p>
+          </p:txBody>
+        </p:sp>
+      </p:grpSp>
+      <p:sp>
+        <p:nvSpPr>
+          <p:cNvPr id="5" name="TextBox 4"/>
+          <p:cNvSpPr txBox="1"/>
+          <p:nvPr/>
+        </p:nvSpPr>
+        <p:spPr>
+          <a:xfrm>
+            <a:off x="179512" y="1209138"/>
+            <a:ext cx="4981081" cy="3636885"/>
+          </a:xfrm>
+          <a:prstGeom prst="rect">
+            <a:avLst/>
+          </a:prstGeom>
+          <a:noFill/>
+        </p:spPr>
+        <p:txBody>
+          <a:bodyPr wrap="square" lIns="81272" tIns="40636" rIns="81272" bIns="40636" rtlCol="0">
+            <a:spAutoFit/>
+          </a:bodyPr>
+          <a:lstStyle>
+            <a:defPPr>
+              <a:defRPr lang="zh-CN"/>
+            </a:defPPr>
+            <a:lvl1pPr>
+              <a:lnSpc>
+                <a:spcPct val="150000"/>
+              </a:lnSpc>
+              <a:defRPr sz="1800">
+                <a:latin typeface="幼圆" pitchFamily="49" charset="-122"/>
+                <a:ea typeface="幼圆" pitchFamily="49" charset="-122"/>
+              </a:defRPr>
+            </a:lvl1pPr>
+          </a:lstStyle>
+          <a:p>
+            <a:r>
+              <a:rPr lang="zh-CN" altLang="en-US" sz="1400" b="1" dirty="0" smtClean="0">
+                <a:solidFill>
+                  <a:srgbClr val="00B0F0"/>
+                </a:solidFill>
+              </a:rPr>
+              <a:t>实际问题：编码以及压缩内容</a:t>
+            </a:r>
+            <a:endParaRPr lang="en-US" altLang="zh-CN" sz="1400" b="1" dirty="0" smtClean="0">
+              <a:solidFill>
+                <a:srgbClr val="00B0F0"/>
+              </a:solidFill>
+            </a:endParaRPr>
+          </a:p>
+          <a:p>
+            <a:r>
+              <a:rPr lang="zh-CN" altLang="en-US" sz="1400" b="1" dirty="0" smtClean="0">
+                <a:solidFill>
+                  <a:srgbClr val="00B0F0"/>
+                </a:solidFill>
+              </a:rPr>
+              <a:t>解决方案：</a:t>
+            </a:r>
+            <a:r>
+              <a:rPr lang="en-US" altLang="zh-CN" sz="1400" b="1" dirty="0" smtClean="0">
+                <a:solidFill>
+                  <a:srgbClr val="00B0F0"/>
+                </a:solidFill>
+              </a:rPr>
+              <a:t>        </a:t>
+            </a:r>
+          </a:p>
+          <a:p>
+            <a:endParaRPr lang="en-US" altLang="zh-CN" sz="1400" b="1" dirty="0">
+              <a:solidFill>
+                <a:srgbClr val="00B0F0"/>
+              </a:solidFill>
+            </a:endParaRPr>
+          </a:p>
+          <a:p>
+            <a:endParaRPr lang="en-US" altLang="zh-CN" sz="1400" b="1" dirty="0" smtClean="0">
+              <a:solidFill>
+                <a:srgbClr val="00B0F0"/>
+              </a:solidFill>
+            </a:endParaRPr>
+          </a:p>
+          <a:p>
+            <a:endParaRPr lang="en-US" altLang="zh-CN" sz="1400" b="1" dirty="0">
+              <a:solidFill>
+                <a:srgbClr val="00B0F0"/>
+              </a:solidFill>
+            </a:endParaRPr>
+          </a:p>
+          <a:p>
+            <a:endParaRPr lang="en-US" altLang="zh-CN" sz="1400" b="1" dirty="0" smtClean="0">
+              <a:solidFill>
+                <a:srgbClr val="00B0F0"/>
+              </a:solidFill>
+            </a:endParaRPr>
+          </a:p>
+          <a:p>
+            <a:endParaRPr lang="en-US" altLang="zh-CN" sz="1400" b="1" dirty="0">
+              <a:solidFill>
+                <a:srgbClr val="00B0F0"/>
+              </a:solidFill>
+            </a:endParaRPr>
+          </a:p>
+          <a:p>
+            <a:endParaRPr lang="en-US" altLang="zh-CN" sz="1400" b="1" dirty="0" smtClean="0">
+              <a:solidFill>
+                <a:srgbClr val="00B0F0"/>
+              </a:solidFill>
+            </a:endParaRPr>
+          </a:p>
+          <a:p>
+            <a:endParaRPr lang="en-US" altLang="zh-CN" sz="1400" b="1" dirty="0">
+              <a:solidFill>
+                <a:srgbClr val="00B0F0"/>
+              </a:solidFill>
+            </a:endParaRPr>
+          </a:p>
+          <a:p>
+            <a:endParaRPr lang="en-US" altLang="zh-CN" sz="1400" b="1" dirty="0">
+              <a:solidFill>
+                <a:srgbClr val="00B0F0"/>
+              </a:solidFill>
+            </a:endParaRPr>
+          </a:p>
+          <a:p>
+            <a:r>
+              <a:rPr lang="en-US" altLang="zh-CN" sz="1400" b="1" dirty="0" smtClean="0">
+                <a:solidFill>
+                  <a:srgbClr val="00B0F0"/>
+                </a:solidFill>
+              </a:rPr>
+              <a:t>    </a:t>
+            </a:r>
+            <a:endParaRPr lang="zh-CN" altLang="en-US" sz="1400" b="1" dirty="0">
+              <a:solidFill>
+                <a:srgbClr val="00B0F0"/>
+              </a:solidFill>
+            </a:endParaRPr>
+          </a:p>
+        </p:txBody>
+      </p:sp>
+    </p:spTree>
+    <p:extLst>
+      <p:ext uri="{BB962C8B-B14F-4D97-AF65-F5344CB8AC3E}">
+        <p14:creationId xmlns:p14="http://schemas.microsoft.com/office/powerpoint/2010/main" val="1836025509"/>
+      </p:ext>
+    </p:extLst>
+  </p:cSld>
+  <p:clrMapOvr>
+    <a:masterClrMapping/>
+  </p:clrMapOvr>
+  <p:timing>
+    <p:tnLst>
+      <p:par>
+        <p:cTn id="1" dur="indefinite" restart="never" nodeType="tmRoot"/>
+      </p:par>
+    </p:tnLst>
+  </p:timing>
+</p:sld>
+</file>
+
+<file path=ppt/slides/slide2.xml><?xml version="1.0" encoding="utf-8"?>
+<p:sld xmlns:a="http://schemas.openxmlformats.org/drawingml/2006/main" xmlns:r="http://schemas.openxmlformats.org/officeDocument/2006/relationships" xmlns:p="http://schemas.openxmlformats.org/presentationml/2006/main">
+  <p:cSld>
+    <p:spTree>
+      <p:nvGrpSpPr>
+        <p:cNvPr id="1" name=""/>
+        <p:cNvGrpSpPr/>
+        <p:nvPr/>
+      </p:nvGrpSpPr>
+      <p:grpSpPr>
+        <a:xfrm>
+          <a:off x="0" y="0"/>
+          <a:ext cx="0" cy="0"/>
+          <a:chOff x="0" y="0"/>
+          <a:chExt cx="0" cy="0"/>
+        </a:xfrm>
+      </p:grpSpPr>
+      <p:sp>
+        <p:nvSpPr>
+          <p:cNvPr id="4" name="TextBox 3"/>
+          <p:cNvSpPr txBox="1"/>
+          <p:nvPr/>
+        </p:nvSpPr>
+        <p:spPr>
+          <a:xfrm>
+            <a:off x="527023" y="1196752"/>
+            <a:ext cx="1944215" cy="1374727"/>
+          </a:xfrm>
+          <a:prstGeom prst="rect">
+            <a:avLst/>
+          </a:prstGeom>
+          <a:noFill/>
+        </p:spPr>
+        <p:txBody>
+          <a:bodyPr wrap="square" lIns="81272" tIns="40636" rIns="81272" bIns="40636" rtlCol="0">
+            <a:spAutoFit/>
+          </a:bodyPr>
+          <a:lstStyle>
+            <a:defPPr>
+              <a:defRPr lang="zh-CN"/>
+            </a:defPPr>
+            <a:lvl1pPr>
+              <a:lnSpc>
+                <a:spcPct val="150000"/>
+              </a:lnSpc>
+              <a:defRPr sz="1800">
+                <a:latin typeface="幼圆" pitchFamily="49" charset="-122"/>
+                <a:ea typeface="幼圆" pitchFamily="49" charset="-122"/>
+              </a:defRPr>
+            </a:lvl1pPr>
+          </a:lstStyle>
+          <a:p>
+            <a:r>
+              <a:rPr lang="zh-CN" altLang="en-US" sz="1400" dirty="0" smtClean="0">
+                <a:solidFill>
+                  <a:srgbClr val="00B0F0"/>
+                </a:solidFill>
+              </a:rPr>
+              <a:t>    </a:t>
+            </a:r>
+            <a:r>
+              <a:rPr lang="zh-CN" altLang="en-US" sz="1400" b="1" dirty="0" smtClean="0">
+                <a:solidFill>
+                  <a:srgbClr val="00B0F0"/>
+                </a:solidFill>
+              </a:rPr>
+              <a:t>用户可以依据自己的需求，向采集系统提交需要采集的网址以及最终的数据需求。</a:t>
+            </a:r>
+            <a:endParaRPr lang="zh-CN" altLang="en-US" sz="1400" b="1" dirty="0">
+              <a:solidFill>
+                <a:srgbClr val="00B0F0"/>
+              </a:solidFill>
+            </a:endParaRPr>
+          </a:p>
+        </p:txBody>
+      </p:sp>
+      <p:sp>
+        <p:nvSpPr>
+          <p:cNvPr id="11" name="标题 1"/>
+          <p:cNvSpPr txBox="1">
+            <a:spLocks/>
+          </p:cNvSpPr>
+          <p:nvPr/>
+        </p:nvSpPr>
+        <p:spPr>
+          <a:xfrm>
+            <a:off x="495300" y="450850"/>
+            <a:ext cx="9720263" cy="569913"/>
+          </a:xfrm>
+          <a:prstGeom prst="rect">
+            <a:avLst/>
+          </a:prstGeom>
+        </p:spPr>
+        <p:txBody>
+          <a:bodyPr vert="horz" lIns="91440" tIns="45720" rIns="91440" bIns="45720" rtlCol="0" anchor="ctr">
+            <a:normAutofit/>
+          </a:bodyPr>
+          <a:lstStyle>
+            <a:lvl1pPr algn="ctr" defTabSz="914400" rtl="0" eaLnBrk="1" latinLnBrk="0" hangingPunct="1">
+              <a:spcBef>
+                <a:spcPct val="0"/>
+              </a:spcBef>
+              <a:buNone/>
+              <a:defRPr sz="4400" kern="1200">
+                <a:solidFill>
+                  <a:schemeClr val="tx1"/>
+                </a:solidFill>
+                <a:latin typeface="+mj-lt"/>
+                <a:ea typeface="+mj-ea"/>
+                <a:cs typeface="+mj-cs"/>
+              </a:defRPr>
+            </a:lvl1pPr>
+          </a:lstStyle>
+          <a:p>
+            <a:pPr algn="l"/>
+            <a:r>
+              <a:rPr lang="zh-CN" altLang="en-US" sz="2700" b="1" dirty="0" smtClean="0">
+                <a:solidFill>
+                  <a:srgbClr val="00B0F0"/>
+                </a:solidFill>
+                <a:latin typeface="微软雅黑" pitchFamily="34" charset="-122"/>
+                <a:ea typeface="微软雅黑" pitchFamily="34" charset="-122"/>
+              </a:rPr>
+              <a:t>目前工作</a:t>
+            </a:r>
+            <a:r>
+              <a:rPr lang="zh-CN" altLang="en-US" sz="2700" b="1" dirty="0" smtClean="0">
+                <a:solidFill>
+                  <a:srgbClr val="00B0F0"/>
+                </a:solidFill>
+                <a:latin typeface="微软雅黑" pitchFamily="34" charset="-122"/>
+                <a:ea typeface="微软雅黑" pitchFamily="34" charset="-122"/>
+              </a:rPr>
+              <a:t>内容</a:t>
+            </a:r>
+            <a:r>
+              <a:rPr lang="en-US" altLang="zh-CN" sz="2700" b="1" dirty="0" smtClean="0">
+                <a:solidFill>
+                  <a:srgbClr val="00B0F0"/>
+                </a:solidFill>
+                <a:latin typeface="微软雅黑" pitchFamily="34" charset="-122"/>
+                <a:ea typeface="微软雅黑" pitchFamily="34" charset="-122"/>
+              </a:rPr>
+              <a:t>-</a:t>
+            </a:r>
+            <a:r>
+              <a:rPr lang="zh-CN" altLang="en-US" sz="2000" dirty="0">
+                <a:solidFill>
+                  <a:srgbClr val="00B0F0"/>
+                </a:solidFill>
+                <a:latin typeface="微软雅黑" pitchFamily="34" charset="-122"/>
+                <a:ea typeface="微软雅黑" pitchFamily="34" charset="-122"/>
+              </a:rPr>
+              <a:t>可定制化信息采集</a:t>
+            </a:r>
+            <a:r>
+              <a:rPr lang="zh-CN" altLang="en-US" sz="2000" dirty="0" smtClean="0">
+                <a:solidFill>
+                  <a:srgbClr val="00B0F0"/>
+                </a:solidFill>
+                <a:latin typeface="微软雅黑" pitchFamily="34" charset="-122"/>
+                <a:ea typeface="微软雅黑" pitchFamily="34" charset="-122"/>
+              </a:rPr>
+              <a:t>系统</a:t>
+            </a:r>
+            <a:endParaRPr lang="zh-CN" altLang="en-US" sz="2800" dirty="0">
+              <a:solidFill>
+                <a:srgbClr val="00B0F0"/>
+              </a:solidFill>
+              <a:latin typeface="微软雅黑" pitchFamily="34" charset="-122"/>
+              <a:ea typeface="微软雅黑" pitchFamily="34" charset="-122"/>
+            </a:endParaRPr>
+          </a:p>
+        </p:txBody>
+      </p:sp>
+      <p:pic>
+        <p:nvPicPr>
+          <p:cNvPr id="3" name="图片 2"/>
+          <p:cNvPicPr>
+            <a:picLocks noChangeAspect="1"/>
+          </p:cNvPicPr>
+          <p:nvPr/>
+        </p:nvPicPr>
+        <p:blipFill>
+          <a:blip r:embed="rId2">
+            <a:extLst>
+              <a:ext uri="{28A0092B-C50C-407E-A947-70E740481C1C}">
+                <a14:useLocalDpi xmlns:a14="http://schemas.microsoft.com/office/drawing/2010/main" val="0"/>
+              </a:ext>
+            </a:extLst>
+          </a:blip>
+          <a:stretch>
+            <a:fillRect/>
+          </a:stretch>
+        </p:blipFill>
+        <p:spPr>
+          <a:xfrm>
+            <a:off x="2555776" y="1196752"/>
+            <a:ext cx="6451881" cy="5155021"/>
+          </a:xfrm>
+          <a:prstGeom prst="rect">
+            <a:avLst/>
+          </a:prstGeom>
+        </p:spPr>
+      </p:pic>
+    </p:spTree>
+    <p:extLst>
+      <p:ext uri="{BB962C8B-B14F-4D97-AF65-F5344CB8AC3E}">
+        <p14:creationId xmlns:p14="http://schemas.microsoft.com/office/powerpoint/2010/main" val="4170951473"/>
+      </p:ext>
+    </p:extLst>
+  </p:cSld>
+  <p:clrMapOvr>
+    <a:masterClrMapping/>
+  </p:clrMapOvr>
+  <p:timing>
+    <p:tnLst>
+      <p:par>
+        <p:cTn id="1" dur="indefinite" restart="never" nodeType="tmRoot"/>
+      </p:par>
+    </p:tnLst>
+  </p:timing>
+</p:sld>
+</file>
+
+<file path=ppt/slides/slide20.xml><?xml version="1.0" encoding="utf-8"?>
+<p:sld xmlns:a="http://schemas.openxmlformats.org/drawingml/2006/main" xmlns:r="http://schemas.openxmlformats.org/officeDocument/2006/relationships" xmlns:p="http://schemas.openxmlformats.org/presentationml/2006/main">
+  <p:cSld>
+    <p:spTree>
+      <p:nvGrpSpPr>
+        <p:cNvPr id="1" name=""/>
+        <p:cNvGrpSpPr/>
+        <p:nvPr/>
+      </p:nvGrpSpPr>
+      <p:grpSpPr>
+        <a:xfrm>
+          <a:off x="0" y="0"/>
+          <a:ext cx="0" cy="0"/>
+          <a:chOff x="0" y="0"/>
+          <a:chExt cx="0" cy="0"/>
+        </a:xfrm>
+      </p:grpSpPr>
+      <p:grpSp>
+        <p:nvGrpSpPr>
+          <p:cNvPr id="2" name="组合 1"/>
+          <p:cNvGrpSpPr/>
+          <p:nvPr/>
+        </p:nvGrpSpPr>
+        <p:grpSpPr>
+          <a:xfrm>
+            <a:off x="446899" y="450850"/>
+            <a:ext cx="8142133" cy="1123313"/>
+            <a:chOff x="457457" y="450850"/>
+            <a:chExt cx="9758106" cy="1123313"/>
+          </a:xfrm>
+        </p:grpSpPr>
+        <p:sp>
+          <p:nvSpPr>
+            <p:cNvPr id="13" name="标题 1"/>
+            <p:cNvSpPr txBox="1">
+              <a:spLocks/>
+            </p:cNvSpPr>
+            <p:nvPr/>
+          </p:nvSpPr>
+          <p:spPr>
+            <a:xfrm>
+              <a:off x="495300" y="450850"/>
+              <a:ext cx="9720263" cy="569913"/>
+            </a:xfrm>
+            <a:prstGeom prst="rect">
+              <a:avLst/>
+            </a:prstGeom>
+            <a:ln w="6350">
+              <a:noFill/>
+            </a:ln>
+          </p:spPr>
+          <p:txBody>
+            <a:bodyPr lIns="102870" tIns="51435" rIns="102870" bIns="51435" anchor="ctr">
+              <a:normAutofit/>
+            </a:bodyPr>
+            <a:lstStyle>
+              <a:lvl1pPr algn="l" defTabSz="1028700" rtl="0" eaLnBrk="1" latinLnBrk="0" hangingPunct="1">
+                <a:spcBef>
+                  <a:spcPct val="0"/>
+                </a:spcBef>
+                <a:buNone/>
+                <a:defRPr sz="2700" b="1" kern="1200">
+                  <a:solidFill>
+                    <a:srgbClr val="00B0F0"/>
+                  </a:solidFill>
+                  <a:latin typeface="微软雅黑" pitchFamily="34" charset="-122"/>
+                  <a:ea typeface="微软雅黑" pitchFamily="34" charset="-122"/>
+                  <a:cs typeface="+mj-cs"/>
+                </a:defRPr>
+              </a:lvl1pPr>
+            </a:lstStyle>
+            <a:p>
+              <a:pPr fontAlgn="auto">
+                <a:spcAft>
+                  <a:spcPts val="0"/>
+                </a:spcAft>
+                <a:tabLst>
+                  <a:tab pos="5294313" algn="l"/>
+                </a:tabLst>
+                <a:defRPr/>
+              </a:pPr>
+              <a:r>
+                <a:rPr lang="en-US" altLang="zh-CN" dirty="0" smtClean="0"/>
+                <a:t>Fetch</a:t>
+              </a:r>
+              <a:r>
+                <a:rPr lang="zh-CN" altLang="en-US" dirty="0" smtClean="0"/>
+                <a:t>过程疑难点</a:t>
+              </a:r>
+              <a:endParaRPr lang="en-US" altLang="zh-CN" dirty="0">
+                <a:solidFill>
+                  <a:schemeClr val="tx1">
+                    <a:lumMod val="50000"/>
+                    <a:lumOff val="50000"/>
+                  </a:schemeClr>
+                </a:solidFill>
+              </a:endParaRPr>
+            </a:p>
+          </p:txBody>
+        </p:sp>
+        <p:sp>
+          <p:nvSpPr>
+            <p:cNvPr id="21" name="矩形 9"/>
+            <p:cNvSpPr>
+              <a:spLocks noChangeArrowheads="1"/>
+            </p:cNvSpPr>
+            <p:nvPr/>
+          </p:nvSpPr>
+          <p:spPr bwMode="auto">
+            <a:xfrm>
+              <a:off x="457457" y="1196752"/>
+              <a:ext cx="9359901" cy="377411"/>
+            </a:xfrm>
+            <a:prstGeom prst="rect">
+              <a:avLst/>
+            </a:prstGeom>
+            <a:noFill/>
+            <a:ln>
+              <a:noFill/>
+            </a:ln>
+            <a:extLst>
+              <a:ext uri="{909E8E84-426E-40DD-AFC4-6F175D3DCCD1}">
+                <a14:hiddenFill xmlns:a14="http://schemas.microsoft.com/office/drawing/2010/main">
+                  <a:solidFill>
+                    <a:srgbClr val="FFFFFF"/>
+                  </a:solidFill>
+                </a14:hiddenFill>
+              </a:ext>
+              <a:ext uri="{91240B29-F687-4F45-9708-019B960494DF}">
+                <a14:hiddenLine xmlns:a14="http://schemas.microsoft.com/office/drawing/2010/main" w="9525">
+                  <a:solidFill>
+                    <a:srgbClr val="000000"/>
+                  </a:solidFill>
+                  <a:miter lim="800000"/>
+                  <a:headEnd/>
+                  <a:tailEnd/>
+                </a14:hiddenLine>
+              </a:ext>
+            </a:extLst>
+          </p:spPr>
+          <p:txBody>
+            <a:bodyPr>
+              <a:spAutoFit/>
+            </a:bodyPr>
+            <a:lstStyle/>
+            <a:p>
+              <a:pPr>
+                <a:lnSpc>
+                  <a:spcPct val="150000"/>
+                </a:lnSpc>
+              </a:pPr>
+              <a:endParaRPr lang="zh-CN" altLang="en-US" sz="1400" dirty="0">
+                <a:latin typeface="微软雅黑" pitchFamily="34" charset="-122"/>
+                <a:ea typeface="微软雅黑" pitchFamily="34" charset="-122"/>
+              </a:endParaRPr>
+            </a:p>
+          </p:txBody>
+        </p:sp>
+      </p:grpSp>
+      <p:sp>
+        <p:nvSpPr>
+          <p:cNvPr id="5" name="TextBox 4"/>
+          <p:cNvSpPr txBox="1"/>
+          <p:nvPr/>
+        </p:nvSpPr>
+        <p:spPr>
+          <a:xfrm>
+            <a:off x="179512" y="1209138"/>
+            <a:ext cx="4981081" cy="3636885"/>
+          </a:xfrm>
+          <a:prstGeom prst="rect">
+            <a:avLst/>
+          </a:prstGeom>
+          <a:noFill/>
+        </p:spPr>
+        <p:txBody>
+          <a:bodyPr wrap="square" lIns="81272" tIns="40636" rIns="81272" bIns="40636" rtlCol="0">
+            <a:spAutoFit/>
+          </a:bodyPr>
+          <a:lstStyle>
+            <a:defPPr>
+              <a:defRPr lang="zh-CN"/>
+            </a:defPPr>
+            <a:lvl1pPr>
+              <a:lnSpc>
+                <a:spcPct val="150000"/>
+              </a:lnSpc>
+              <a:defRPr sz="1800">
+                <a:latin typeface="幼圆" pitchFamily="49" charset="-122"/>
+                <a:ea typeface="幼圆" pitchFamily="49" charset="-122"/>
+              </a:defRPr>
+            </a:lvl1pPr>
+          </a:lstStyle>
+          <a:p>
+            <a:r>
+              <a:rPr lang="zh-CN" altLang="en-US" sz="1400" b="1" dirty="0" smtClean="0">
+                <a:solidFill>
+                  <a:srgbClr val="00B0F0"/>
+                </a:solidFill>
+              </a:rPr>
+              <a:t>实际问题：重定向等</a:t>
+            </a:r>
+            <a:endParaRPr lang="en-US" altLang="zh-CN" sz="1400" b="1" dirty="0" smtClean="0">
+              <a:solidFill>
+                <a:srgbClr val="00B0F0"/>
+              </a:solidFill>
+            </a:endParaRPr>
+          </a:p>
+          <a:p>
+            <a:r>
+              <a:rPr lang="en-US" altLang="zh-CN" sz="1400" b="1" dirty="0" smtClean="0">
+                <a:solidFill>
+                  <a:srgbClr val="00B0F0"/>
+                </a:solidFill>
+              </a:rPr>
+              <a:t>        </a:t>
+            </a:r>
+          </a:p>
+          <a:p>
+            <a:endParaRPr lang="en-US" altLang="zh-CN" sz="1400" b="1" dirty="0">
+              <a:solidFill>
+                <a:srgbClr val="00B0F0"/>
+              </a:solidFill>
+            </a:endParaRPr>
+          </a:p>
+          <a:p>
+            <a:endParaRPr lang="en-US" altLang="zh-CN" sz="1400" b="1" dirty="0" smtClean="0">
+              <a:solidFill>
+                <a:srgbClr val="00B0F0"/>
+              </a:solidFill>
+            </a:endParaRPr>
+          </a:p>
+          <a:p>
+            <a:endParaRPr lang="en-US" altLang="zh-CN" sz="1400" b="1" dirty="0">
+              <a:solidFill>
+                <a:srgbClr val="00B0F0"/>
+              </a:solidFill>
+            </a:endParaRPr>
+          </a:p>
+          <a:p>
+            <a:endParaRPr lang="en-US" altLang="zh-CN" sz="1400" b="1" dirty="0" smtClean="0">
+              <a:solidFill>
+                <a:srgbClr val="00B0F0"/>
+              </a:solidFill>
+            </a:endParaRPr>
+          </a:p>
+          <a:p>
+            <a:endParaRPr lang="en-US" altLang="zh-CN" sz="1400" b="1" dirty="0">
+              <a:solidFill>
+                <a:srgbClr val="00B0F0"/>
+              </a:solidFill>
+            </a:endParaRPr>
+          </a:p>
+          <a:p>
+            <a:endParaRPr lang="en-US" altLang="zh-CN" sz="1400" b="1" dirty="0" smtClean="0">
+              <a:solidFill>
+                <a:srgbClr val="00B0F0"/>
+              </a:solidFill>
+            </a:endParaRPr>
+          </a:p>
+          <a:p>
+            <a:endParaRPr lang="en-US" altLang="zh-CN" sz="1400" b="1" dirty="0">
+              <a:solidFill>
+                <a:srgbClr val="00B0F0"/>
+              </a:solidFill>
+            </a:endParaRPr>
+          </a:p>
+          <a:p>
+            <a:endParaRPr lang="en-US" altLang="zh-CN" sz="1400" b="1" dirty="0">
+              <a:solidFill>
+                <a:srgbClr val="00B0F0"/>
+              </a:solidFill>
+            </a:endParaRPr>
+          </a:p>
+          <a:p>
+            <a:r>
+              <a:rPr lang="en-US" altLang="zh-CN" sz="1400" b="1" dirty="0" smtClean="0">
+                <a:solidFill>
+                  <a:srgbClr val="00B0F0"/>
+                </a:solidFill>
+              </a:rPr>
+              <a:t>    </a:t>
+            </a:r>
+            <a:endParaRPr lang="zh-CN" altLang="en-US" sz="1400" b="1" dirty="0">
+              <a:solidFill>
+                <a:srgbClr val="00B0F0"/>
+              </a:solidFill>
+            </a:endParaRPr>
+          </a:p>
+        </p:txBody>
+      </p:sp>
+    </p:spTree>
+    <p:extLst>
+      <p:ext uri="{BB962C8B-B14F-4D97-AF65-F5344CB8AC3E}">
+        <p14:creationId xmlns:p14="http://schemas.microsoft.com/office/powerpoint/2010/main" val="1836025509"/>
+      </p:ext>
+    </p:extLst>
+  </p:cSld>
+  <p:clrMapOvr>
+    <a:masterClrMapping/>
+  </p:clrMapOvr>
+  <p:timing>
+    <p:tnLst>
+      <p:par>
+        <p:cTn id="1" dur="indefinite" restart="never" nodeType="tmRoot"/>
+      </p:par>
+    </p:tnLst>
+  </p:timing>
+</p:sld>
+</file>
+
+<file path=ppt/slides/slide21.xml><?xml version="1.0" encoding="utf-8"?>
 <p:sld xmlns:a="http://schemas.openxmlformats.org/drawingml/2006/main" xmlns:r="http://schemas.openxmlformats.org/officeDocument/2006/relationships" xmlns:p="http://schemas.openxmlformats.org/presentationml/2006/main">
   <p:cSld>
     <p:spTree>
@@ -9355,297 +12078,7 @@
     </p:spTree>
     <p:extLst>
       <p:ext uri="{BB962C8B-B14F-4D97-AF65-F5344CB8AC3E}">
-        <p14:creationId xmlns:p14="http://schemas.microsoft.com/office/powerpoint/2010/main" val="3186338918"/>
-      </p:ext>
-    </p:extLst>
-  </p:cSld>
-  <p:clrMapOvr>
-    <a:masterClrMapping/>
-  </p:clrMapOvr>
-</p:sld>
-</file>
-
-<file path=ppt/slides/slide2.xml><?xml version="1.0" encoding="utf-8"?>
-<p:sld xmlns:a="http://schemas.openxmlformats.org/drawingml/2006/main" xmlns:r="http://schemas.openxmlformats.org/officeDocument/2006/relationships" xmlns:p="http://schemas.openxmlformats.org/presentationml/2006/main">
-  <p:cSld>
-    <p:spTree>
-      <p:nvGrpSpPr>
-        <p:cNvPr id="1" name=""/>
-        <p:cNvGrpSpPr/>
-        <p:nvPr/>
-      </p:nvGrpSpPr>
-      <p:grpSpPr>
-        <a:xfrm>
-          <a:off x="0" y="0"/>
-          <a:ext cx="0" cy="0"/>
-          <a:chOff x="0" y="0"/>
-          <a:chExt cx="0" cy="0"/>
-        </a:xfrm>
-      </p:grpSpPr>
-      <p:sp>
-        <p:nvSpPr>
-          <p:cNvPr id="4" name="TextBox 3"/>
-          <p:cNvSpPr txBox="1"/>
-          <p:nvPr/>
-        </p:nvSpPr>
-        <p:spPr>
-          <a:xfrm>
-            <a:off x="495357" y="1200181"/>
-            <a:ext cx="5823328" cy="354769"/>
-          </a:xfrm>
-          <a:prstGeom prst="rect">
-            <a:avLst/>
-          </a:prstGeom>
-          <a:noFill/>
-        </p:spPr>
-        <p:txBody>
-          <a:bodyPr wrap="square" lIns="81272" tIns="40636" rIns="81272" bIns="40636" rtlCol="0">
-            <a:spAutoFit/>
-          </a:bodyPr>
-          <a:lstStyle>
-            <a:defPPr>
-              <a:defRPr lang="zh-CN"/>
-            </a:defPPr>
-            <a:lvl1pPr>
-              <a:lnSpc>
-                <a:spcPct val="150000"/>
-              </a:lnSpc>
-              <a:defRPr sz="1800">
-                <a:latin typeface="幼圆" pitchFamily="49" charset="-122"/>
-                <a:ea typeface="幼圆" pitchFamily="49" charset="-122"/>
-              </a:defRPr>
-            </a:lvl1pPr>
-          </a:lstStyle>
-          <a:p>
-            <a:r>
-              <a:rPr lang="zh-CN" altLang="en-US" sz="1400" dirty="0" smtClean="0"/>
-              <a:t>可定制化信息采集系统</a:t>
-            </a:r>
-            <a:endParaRPr lang="zh-CN" altLang="en-US" sz="1400" dirty="0"/>
-          </a:p>
-        </p:txBody>
-      </p:sp>
-      <p:sp>
-        <p:nvSpPr>
-          <p:cNvPr id="5" name="TextBox 4"/>
-          <p:cNvSpPr txBox="1"/>
-          <p:nvPr/>
-        </p:nvSpPr>
-        <p:spPr>
-          <a:xfrm>
-            <a:off x="495357" y="1757386"/>
-            <a:ext cx="6070488" cy="354769"/>
-          </a:xfrm>
-          <a:prstGeom prst="rect">
-            <a:avLst/>
-          </a:prstGeom>
-          <a:noFill/>
-        </p:spPr>
-        <p:txBody>
-          <a:bodyPr wrap="square" lIns="81272" tIns="40636" rIns="81272" bIns="40636" rtlCol="0">
-            <a:spAutoFit/>
-          </a:bodyPr>
-          <a:lstStyle/>
-          <a:p>
-            <a:pPr>
-              <a:lnSpc>
-                <a:spcPct val="150000"/>
-              </a:lnSpc>
-            </a:pPr>
-            <a:r>
-              <a:rPr lang="zh-CN" altLang="en-US" sz="1400" dirty="0" smtClean="0">
-                <a:latin typeface="幼圆" pitchFamily="49" charset="-122"/>
-                <a:ea typeface="幼圆" pitchFamily="49" charset="-122"/>
-              </a:rPr>
-              <a:t>这里画一个信息采集系统的模块流程图</a:t>
-            </a:r>
-            <a:endParaRPr lang="zh-CN" altLang="en-US" sz="1400" dirty="0">
-              <a:latin typeface="幼圆" pitchFamily="49" charset="-122"/>
-              <a:ea typeface="幼圆" pitchFamily="49" charset="-122"/>
-            </a:endParaRPr>
-          </a:p>
-        </p:txBody>
-      </p:sp>
-      <p:sp>
-        <p:nvSpPr>
-          <p:cNvPr id="8" name="TextBox 7"/>
-          <p:cNvSpPr txBox="1"/>
-          <p:nvPr/>
-        </p:nvSpPr>
-        <p:spPr>
-          <a:xfrm>
-            <a:off x="5799128" y="5439361"/>
-            <a:ext cx="2664816" cy="682230"/>
-          </a:xfrm>
-          <a:prstGeom prst="rect">
-            <a:avLst/>
-          </a:prstGeom>
-          <a:noFill/>
-        </p:spPr>
-        <p:txBody>
-          <a:bodyPr wrap="none" lIns="81272" tIns="40636" rIns="81272" bIns="40636" rtlCol="0">
-            <a:spAutoFit/>
-          </a:bodyPr>
-          <a:lstStyle>
-            <a:defPPr>
-              <a:defRPr lang="zh-CN"/>
-            </a:defPPr>
-            <a:lvl1pPr>
-              <a:defRPr>
-                <a:latin typeface="幼圆" pitchFamily="49" charset="-122"/>
-                <a:ea typeface="幼圆" pitchFamily="49" charset="-122"/>
-              </a:defRPr>
-            </a:lvl1pPr>
-          </a:lstStyle>
-          <a:p>
-            <a:r>
-              <a:rPr lang="zh-CN" altLang="en-US" sz="3900" dirty="0">
-                <a:solidFill>
-                  <a:srgbClr val="00B0F0"/>
-                </a:solidFill>
-              </a:rPr>
-              <a:t>舒服、简约</a:t>
-            </a:r>
-          </a:p>
-        </p:txBody>
-      </p:sp>
-      <p:pic>
-        <p:nvPicPr>
-          <p:cNvPr id="9" name="图片 8"/>
-          <p:cNvPicPr>
-            <a:picLocks noChangeAspect="1"/>
-          </p:cNvPicPr>
-          <p:nvPr/>
-        </p:nvPicPr>
-        <p:blipFill>
-          <a:blip r:embed="rId2" cstate="print">
-            <a:extLst>
-              <a:ext uri="{28A0092B-C50C-407E-A947-70E740481C1C}">
-                <a14:useLocalDpi xmlns:a14="http://schemas.microsoft.com/office/drawing/2010/main" val="0"/>
-              </a:ext>
-            </a:extLst>
-          </a:blip>
-          <a:stretch>
-            <a:fillRect/>
-          </a:stretch>
-        </p:blipFill>
-        <p:spPr>
-          <a:xfrm>
-            <a:off x="7249541" y="3099427"/>
-            <a:ext cx="1173891" cy="1320628"/>
-          </a:xfrm>
-          <a:prstGeom prst="rect">
-            <a:avLst/>
-          </a:prstGeom>
-        </p:spPr>
-      </p:pic>
-      <p:sp>
-        <p:nvSpPr>
-          <p:cNvPr id="10" name="TextBox 9"/>
-          <p:cNvSpPr txBox="1"/>
-          <p:nvPr/>
-        </p:nvSpPr>
-        <p:spPr>
-          <a:xfrm>
-            <a:off x="7116010" y="4329100"/>
-            <a:ext cx="1456858" cy="359065"/>
-          </a:xfrm>
-          <a:prstGeom prst="rect">
-            <a:avLst/>
-          </a:prstGeom>
-          <a:noFill/>
-        </p:spPr>
-        <p:txBody>
-          <a:bodyPr wrap="none" lIns="81272" tIns="40636" rIns="81272" bIns="40636" rtlCol="0">
-            <a:spAutoFit/>
-          </a:bodyPr>
-          <a:lstStyle/>
-          <a:p>
-            <a:r>
-              <a:rPr lang="en-US" altLang="zh-CN" dirty="0" smtClean="0">
-                <a:solidFill>
-                  <a:srgbClr val="00B0F0"/>
-                </a:solidFill>
-                <a:latin typeface="Meiryo UI" pitchFamily="34" charset="-128"/>
-                <a:ea typeface="Meiryo UI" pitchFamily="34" charset="-128"/>
-                <a:cs typeface="Meiryo UI" pitchFamily="34" charset="-128"/>
-              </a:rPr>
-              <a:t>Bread Style</a:t>
-            </a:r>
-            <a:endParaRPr lang="zh-CN" altLang="en-US" dirty="0">
-              <a:solidFill>
-                <a:srgbClr val="00B0F0"/>
-              </a:solidFill>
-              <a:latin typeface="Meiryo UI" pitchFamily="34" charset="-128"/>
-              <a:ea typeface="Meiryo UI" pitchFamily="34" charset="-128"/>
-              <a:cs typeface="Meiryo UI" pitchFamily="34" charset="-128"/>
-            </a:endParaRPr>
-          </a:p>
-        </p:txBody>
-      </p:sp>
-      <p:sp>
-        <p:nvSpPr>
-          <p:cNvPr id="11" name="标题 1"/>
-          <p:cNvSpPr txBox="1">
-            <a:spLocks/>
-          </p:cNvSpPr>
-          <p:nvPr/>
-        </p:nvSpPr>
-        <p:spPr>
-          <a:xfrm>
-            <a:off x="495300" y="450850"/>
-            <a:ext cx="9720263" cy="569913"/>
-          </a:xfrm>
-          <a:prstGeom prst="rect">
-            <a:avLst/>
-          </a:prstGeom>
-        </p:spPr>
-        <p:txBody>
-          <a:bodyPr vert="horz" lIns="91440" tIns="45720" rIns="91440" bIns="45720" rtlCol="0" anchor="ctr">
-            <a:normAutofit/>
-          </a:bodyPr>
-          <a:lstStyle>
-            <a:lvl1pPr algn="ctr" defTabSz="914400" rtl="0" eaLnBrk="1" latinLnBrk="0" hangingPunct="1">
-              <a:spcBef>
-                <a:spcPct val="0"/>
-              </a:spcBef>
-              <a:buNone/>
-              <a:defRPr sz="4400" kern="1200">
-                <a:solidFill>
-                  <a:schemeClr val="tx1"/>
-                </a:solidFill>
-                <a:latin typeface="+mj-lt"/>
-                <a:ea typeface="+mj-ea"/>
-                <a:cs typeface="+mj-cs"/>
-              </a:defRPr>
-            </a:lvl1pPr>
-          </a:lstStyle>
-          <a:p>
-            <a:pPr algn="l"/>
-            <a:r>
-              <a:rPr lang="zh-CN" altLang="en-US" sz="2700" b="1" dirty="0" smtClean="0">
-                <a:solidFill>
-                  <a:srgbClr val="00B0F0"/>
-                </a:solidFill>
-                <a:latin typeface="微软雅黑" pitchFamily="34" charset="-122"/>
-                <a:ea typeface="微软雅黑" pitchFamily="34" charset="-122"/>
-              </a:rPr>
-              <a:t>目前工作内容</a:t>
-            </a:r>
-            <a:endParaRPr lang="zh-CN" altLang="en-US" sz="2700" b="1" dirty="0">
-              <a:solidFill>
-                <a:srgbClr val="00B0F0"/>
-              </a:solidFill>
-              <a:latin typeface="微软雅黑" pitchFamily="34" charset="-122"/>
-              <a:ea typeface="微软雅黑" pitchFamily="34" charset="-122"/>
-            </a:endParaRPr>
-          </a:p>
-        </p:txBody>
-      </p:sp>
-    </p:spTree>
-    <p:extLst>
-      <p:ext uri="{BB962C8B-B14F-4D97-AF65-F5344CB8AC3E}">
-        <p14:creationId xmlns:p14="http://schemas.microsoft.com/office/powerpoint/2010/main" val="4170951473"/>
+        <p14:creationId xmlns:p14="http://schemas.microsoft.com/office/powerpoint/2010/main" val="3240659992"/>
       </p:ext>
     </p:extLst>
   </p:cSld>
@@ -13434,6 +15867,13 @@
   <p:clrMapOvr>
     <a:masterClrMapping/>
   </p:clrMapOvr>
+  <p:timing>
+    <p:tnLst>
+      <p:par>
+        <p:cTn id="1" dur="indefinite" restart="never" nodeType="tmRoot"/>
+      </p:par>
+    </p:tnLst>
+  </p:timing>
 </p:sld>
 </file>
 
